--- a/1 R简介/第1章 R简介.pptx
+++ b/1 R简介/第1章 R简介.pptx
@@ -5,35 +5,33 @@
     <p:sldMasterId id="2147483648" r:id="rId1"/>
   </p:sldMasterIdLst>
   <p:notesMasterIdLst>
-    <p:notesMasterId r:id="rId8"/>
+    <p:notesMasterId r:id="rId6"/>
   </p:notesMasterIdLst>
   <p:sldIdLst>
-    <p:sldId id="661" r:id="rId3"/>
-    <p:sldId id="662" r:id="rId4"/>
-    <p:sldId id="686" r:id="rId5"/>
-    <p:sldId id="256" r:id="rId6"/>
-    <p:sldId id="510" r:id="rId7"/>
-    <p:sldId id="516" r:id="rId9"/>
-    <p:sldId id="635" r:id="rId10"/>
-    <p:sldId id="636" r:id="rId11"/>
-    <p:sldId id="637" r:id="rId12"/>
-    <p:sldId id="638" r:id="rId13"/>
-    <p:sldId id="639" r:id="rId14"/>
-    <p:sldId id="640" r:id="rId15"/>
-    <p:sldId id="641" r:id="rId16"/>
-    <p:sldId id="642" r:id="rId17"/>
-    <p:sldId id="643" r:id="rId18"/>
-    <p:sldId id="644" r:id="rId19"/>
-    <p:sldId id="645" r:id="rId20"/>
-    <p:sldId id="646" r:id="rId21"/>
-    <p:sldId id="652" r:id="rId22"/>
-    <p:sldId id="647" r:id="rId23"/>
-    <p:sldId id="648" r:id="rId24"/>
-    <p:sldId id="649" r:id="rId25"/>
-    <p:sldId id="650" r:id="rId26"/>
-    <p:sldId id="651" r:id="rId27"/>
-    <p:sldId id="577" r:id="rId28"/>
-    <p:sldId id="568" r:id="rId29"/>
+    <p:sldId id="686" r:id="rId3"/>
+    <p:sldId id="256" r:id="rId4"/>
+    <p:sldId id="510" r:id="rId5"/>
+    <p:sldId id="516" r:id="rId7"/>
+    <p:sldId id="635" r:id="rId8"/>
+    <p:sldId id="636" r:id="rId9"/>
+    <p:sldId id="637" r:id="rId10"/>
+    <p:sldId id="638" r:id="rId11"/>
+    <p:sldId id="639" r:id="rId12"/>
+    <p:sldId id="640" r:id="rId13"/>
+    <p:sldId id="641" r:id="rId14"/>
+    <p:sldId id="642" r:id="rId15"/>
+    <p:sldId id="643" r:id="rId16"/>
+    <p:sldId id="644" r:id="rId17"/>
+    <p:sldId id="645" r:id="rId18"/>
+    <p:sldId id="646" r:id="rId19"/>
+    <p:sldId id="652" r:id="rId20"/>
+    <p:sldId id="647" r:id="rId21"/>
+    <p:sldId id="648" r:id="rId22"/>
+    <p:sldId id="649" r:id="rId23"/>
+    <p:sldId id="650" r:id="rId24"/>
+    <p:sldId id="651" r:id="rId25"/>
+    <p:sldId id="577" r:id="rId26"/>
+    <p:sldId id="568" r:id="rId27"/>
   </p:sldIdLst>
   <p:sldSz cx="9144000" cy="6858000" type="screen4x3"/>
   <p:notesSz cx="6794500" cy="9918700"/>
@@ -168,1031 +166,6 @@
     </a:lvl9pPr>
   </p:defaultTextStyle>
 </p:presentation>
-</file>
-
-<file path=ppt/charts/chart1.xml><?xml version="1.0" encoding="utf-8"?>
-<c:chartSpace xmlns:c="http://schemas.openxmlformats.org/drawingml/2006/chart" xmlns:a="http://schemas.openxmlformats.org/drawingml/2006/main" xmlns:r="http://schemas.openxmlformats.org/officeDocument/2006/relationships">
-  <c:date1904 val="0"/>
-  <c:lang val="zh-CN"/>
-  <c:roundedCorners val="0"/>
-  <mc:AlternateContent xmlns:mc="http://schemas.openxmlformats.org/markup-compatibility/2006">
-    <mc:Choice xmlns:c14="http://schemas.microsoft.com/office/drawing/2007/8/2/chart" Requires="c14">
-      <c14:style val="102"/>
-    </mc:Choice>
-    <mc:Fallback>
-      <c:style val="2"/>
-    </mc:Fallback>
-  </mc:AlternateContent>
-  <c:chart>
-    <c:title>
-      <c:tx>
-        <c:rich>
-          <a:bodyPr rot="0" spcFirstLastPara="0" vertOverflow="ellipsis" vert="horz" wrap="square" anchor="ctr" anchorCtr="1"/>
-          <a:lstStyle/>
-          <a:p>
-            <a:pPr defTabSz="914400">
-              <a:defRPr lang="zh-CN" sz="1800" b="1" i="0" u="none" strike="noStrike" kern="1200" cap="all" spc="150" baseline="0">
-                <a:solidFill>
-                  <a:schemeClr val="tx1">
-                    <a:lumMod val="50000"/>
-                    <a:lumOff val="50000"/>
-                  </a:schemeClr>
-                </a:solidFill>
-                <a:latin typeface="+mn-lt"/>
-                <a:ea typeface="+mn-ea"/>
-                <a:cs typeface="+mn-cs"/>
-              </a:defRPr>
-            </a:pPr>
-            <a:r>
-              <a:t>考核方式</a:t>
-            </a:r>
-          </a:p>
-          <a:p>
-            <a:pPr defTabSz="914400">
-              <a:defRPr lang="zh-CN" sz="1800" b="1" i="0" u="none" strike="noStrike" kern="1200" cap="all" spc="150" baseline="0">
-                <a:solidFill>
-                  <a:schemeClr val="tx1">
-                    <a:lumMod val="50000"/>
-                    <a:lumOff val="50000"/>
-                  </a:schemeClr>
-                </a:solidFill>
-                <a:latin typeface="+mn-lt"/>
-                <a:ea typeface="+mn-ea"/>
-                <a:cs typeface="+mn-cs"/>
-              </a:defRPr>
-            </a:pPr>
-          </a:p>
-        </c:rich>
-      </c:tx>
-      <c:layout/>
-      <c:overlay val="0"/>
-      <c:spPr>
-        <a:noFill/>
-        <a:ln>
-          <a:noFill/>
-        </a:ln>
-        <a:effectLst/>
-      </c:spPr>
-    </c:title>
-    <c:autoTitleDeleted val="0"/>
-    <c:plotArea>
-      <c:layout/>
-      <c:pieChart>
-        <c:varyColors val="1"/>
-        <c:ser>
-          <c:idx val="0"/>
-          <c:order val="0"/>
-          <c:tx>
-            <c:strRef>
-              <c:f>Sheet1!$B$1</c:f>
-              <c:strCache>
-                <c:ptCount val="1"/>
-                <c:pt idx="0">
-                  <c:v>成绩</c:v>
-                </c:pt>
-              </c:strCache>
-            </c:strRef>
-          </c:tx>
-          <c:spPr>
-            <a:ln w="19050">
-              <a:solidFill>
-                <a:schemeClr val="accent1"/>
-              </a:solidFill>
-            </a:ln>
-          </c:spPr>
-          <c:explosion val="0"/>
-          <c:dPt>
-            <c:idx val="0"/>
-            <c:bubble3D val="0"/>
-            <c:spPr>
-              <a:pattFill prst="ltUpDiag">
-                <a:fgClr>
-                  <a:schemeClr val="accent1"/>
-                </a:fgClr>
-                <a:bgClr>
-                  <a:schemeClr val="accent1">
-                    <a:lumMod val="20000"/>
-                    <a:lumOff val="80000"/>
-                  </a:schemeClr>
-                </a:bgClr>
-              </a:pattFill>
-              <a:ln w="19050">
-                <a:solidFill>
-                  <a:schemeClr val="accent1"/>
-                </a:solidFill>
-              </a:ln>
-              <a:effectLst>
-                <a:innerShdw blurRad="114300">
-                  <a:schemeClr val="accent1"/>
-                </a:innerShdw>
-              </a:effectLst>
-            </c:spPr>
-          </c:dPt>
-          <c:dPt>
-            <c:idx val="1"/>
-            <c:bubble3D val="0"/>
-            <c:spPr>
-              <a:pattFill prst="ltUpDiag">
-                <a:fgClr>
-                  <a:schemeClr val="accent2"/>
-                </a:fgClr>
-                <a:bgClr>
-                  <a:schemeClr val="accent2">
-                    <a:lumMod val="20000"/>
-                    <a:lumOff val="80000"/>
-                  </a:schemeClr>
-                </a:bgClr>
-              </a:pattFill>
-              <a:ln w="19050">
-                <a:solidFill>
-                  <a:schemeClr val="accent1"/>
-                </a:solidFill>
-              </a:ln>
-              <a:effectLst>
-                <a:innerShdw blurRad="114300">
-                  <a:schemeClr val="accent2"/>
-                </a:innerShdw>
-              </a:effectLst>
-            </c:spPr>
-          </c:dPt>
-          <c:dPt>
-            <c:idx val="2"/>
-            <c:bubble3D val="0"/>
-            <c:spPr>
-              <a:pattFill prst="ltUpDiag">
-                <a:fgClr>
-                  <a:schemeClr val="accent3"/>
-                </a:fgClr>
-                <a:bgClr>
-                  <a:schemeClr val="accent3">
-                    <a:lumMod val="20000"/>
-                    <a:lumOff val="80000"/>
-                  </a:schemeClr>
-                </a:bgClr>
-              </a:pattFill>
-              <a:ln w="19050">
-                <a:solidFill>
-                  <a:schemeClr val="accent1"/>
-                </a:solidFill>
-              </a:ln>
-              <a:effectLst>
-                <a:innerShdw blurRad="114300">
-                  <a:schemeClr val="accent3"/>
-                </a:innerShdw>
-              </a:effectLst>
-            </c:spPr>
-          </c:dPt>
-          <c:dLbls>
-            <c:spPr>
-              <a:noFill/>
-              <a:ln>
-                <a:noFill/>
-              </a:ln>
-              <a:effectLst/>
-            </c:spPr>
-            <c:txPr>
-              <a:bodyPr rot="0" spcFirstLastPara="0" vertOverflow="ellipsis" vert="horz" wrap="square" lIns="38100" tIns="19050" rIns="38100" bIns="19050" anchor="ctr" anchorCtr="1"/>
-              <a:lstStyle/>
-              <a:p>
-                <a:pPr>
-                  <a:defRPr lang="zh-CN" sz="2800" b="0" i="0" u="none" strike="noStrike" kern="1200" cap="none" spc="0" normalizeH="0" baseline="0">
-                    <a:solidFill>
-                      <a:schemeClr val="tx1"/>
-                    </a:solidFill>
-                    <a:uFill>
-                      <a:solidFill>
-                        <a:schemeClr val="tx1">
-                          <a:lumMod val="75000"/>
-                          <a:lumOff val="25000"/>
-                        </a:schemeClr>
-                      </a:solidFill>
-                    </a:uFill>
-                    <a:latin typeface="+mn-lt"/>
-                    <a:ea typeface="+mn-ea"/>
-                    <a:cs typeface="+mn-cs"/>
-                  </a:defRPr>
-                </a:pPr>
-              </a:p>
-            </c:txPr>
-            <c:dLblPos val="bestFit"/>
-            <c:showLegendKey val="0"/>
-            <c:showVal val="1"/>
-            <c:showCatName val="0"/>
-            <c:showSerName val="0"/>
-            <c:showPercent val="0"/>
-            <c:showBubbleSize val="0"/>
-            <c:showLeaderLines val="1"/>
-            <c:extLst>
-              <c:ext xmlns:c15="http://schemas.microsoft.com/office/drawing/2012/chart" uri="{CE6537A1-D6FC-4f65-9D91-7224C49458BB}">
-                <c15:layout/>
-                <c15:showLeaderLines val="1"/>
-                <c15:leaderLines>
-                  <c:spPr>
-                    <a:ln w="9525">
-                      <a:solidFill>
-                        <a:schemeClr val="tx1">
-                          <a:lumMod val="35000"/>
-                          <a:lumOff val="65000"/>
-                        </a:schemeClr>
-                      </a:solidFill>
-                    </a:ln>
-                    <a:effectLst/>
-                  </c:spPr>
-                </c15:leaderLines>
-              </c:ext>
-            </c:extLst>
-          </c:dLbls>
-          <c:cat>
-            <c:strRef>
-              <c:f>Sheet1!$A$2:$A$4</c:f>
-              <c:strCache>
-                <c:ptCount val="3"/>
-                <c:pt idx="0">
-                  <c:v>试卷成绩</c:v>
-                </c:pt>
-                <c:pt idx="1">
-                  <c:v>作业</c:v>
-                </c:pt>
-                <c:pt idx="2">
-                  <c:v>考勤</c:v>
-                </c:pt>
-              </c:strCache>
-            </c:strRef>
-          </c:cat>
-          <c:val>
-            <c:numRef>
-              <c:f>Sheet1!$B$2:$B$4</c:f>
-              <c:numCache>
-                <c:formatCode>0%</c:formatCode>
-                <c:ptCount val="3"/>
-                <c:pt idx="0">
-                  <c:v>0.6</c:v>
-                </c:pt>
-                <c:pt idx="1">
-                  <c:v>0.2</c:v>
-                </c:pt>
-                <c:pt idx="2">
-                  <c:v>0.2</c:v>
-                </c:pt>
-              </c:numCache>
-            </c:numRef>
-          </c:val>
-        </c:ser>
-        <c:dLbls>
-          <c:showLegendKey val="0"/>
-          <c:showVal val="1"/>
-          <c:showCatName val="0"/>
-          <c:showSerName val="0"/>
-          <c:showPercent val="0"/>
-          <c:showBubbleSize val="0"/>
-          <c:showLeaderLines val="1"/>
-        </c:dLbls>
-        <c:firstSliceAng val="0"/>
-      </c:pieChart>
-      <c:spPr>
-        <a:noFill/>
-        <a:ln>
-          <a:noFill/>
-        </a:ln>
-        <a:effectLst/>
-      </c:spPr>
-    </c:plotArea>
-    <c:legend>
-      <c:legendPos val="r"/>
-      <c:legendEntry>
-        <c:idx val="0"/>
-        <c:txPr>
-          <a:bodyPr rot="0" spcFirstLastPara="0" vertOverflow="ellipsis" vert="horz" wrap="square" anchor="ctr" anchorCtr="1"/>
-          <a:lstStyle/>
-          <a:p>
-            <a:pPr>
-              <a:defRPr lang="zh-CN" sz="2800" b="0" i="0" u="none" strike="noStrike" kern="1200" cap="none" spc="0" normalizeH="0" baseline="0">
-                <a:solidFill>
-                  <a:schemeClr val="tx1">
-                    <a:lumMod val="65000"/>
-                    <a:lumOff val="35000"/>
-                  </a:schemeClr>
-                </a:solidFill>
-                <a:uFill>
-                  <a:solidFill>
-                    <a:schemeClr val="tx1">
-                      <a:lumMod val="65000"/>
-                      <a:lumOff val="35000"/>
-                    </a:schemeClr>
-                  </a:solidFill>
-                </a:uFill>
-                <a:latin typeface="+mn-lt"/>
-                <a:ea typeface="+mn-ea"/>
-                <a:cs typeface="+mn-cs"/>
-              </a:defRPr>
-            </a:pPr>
-          </a:p>
-        </c:txPr>
-      </c:legendEntry>
-      <c:legendEntry>
-        <c:idx val="1"/>
-        <c:txPr>
-          <a:bodyPr rot="0" spcFirstLastPara="0" vertOverflow="ellipsis" vert="horz" wrap="square" anchor="ctr" anchorCtr="1"/>
-          <a:lstStyle/>
-          <a:p>
-            <a:pPr>
-              <a:defRPr lang="zh-CN" sz="2800" b="0" i="0" u="none" strike="noStrike" kern="1200" cap="none" spc="0" normalizeH="0" baseline="0">
-                <a:solidFill>
-                  <a:schemeClr val="tx1">
-                    <a:lumMod val="65000"/>
-                    <a:lumOff val="35000"/>
-                  </a:schemeClr>
-                </a:solidFill>
-                <a:uFill>
-                  <a:solidFill>
-                    <a:schemeClr val="tx1">
-                      <a:lumMod val="65000"/>
-                      <a:lumOff val="35000"/>
-                    </a:schemeClr>
-                  </a:solidFill>
-                </a:uFill>
-                <a:latin typeface="+mn-lt"/>
-                <a:ea typeface="+mn-ea"/>
-                <a:cs typeface="+mn-cs"/>
-              </a:defRPr>
-            </a:pPr>
-          </a:p>
-        </c:txPr>
-      </c:legendEntry>
-      <c:legendEntry>
-        <c:idx val="2"/>
-        <c:txPr>
-          <a:bodyPr rot="0" spcFirstLastPara="0" vertOverflow="ellipsis" vert="horz" wrap="square" anchor="ctr" anchorCtr="1"/>
-          <a:lstStyle/>
-          <a:p>
-            <a:pPr>
-              <a:defRPr lang="zh-CN" sz="2800" b="0" i="0" u="none" strike="noStrike" kern="1200" cap="none" spc="0" normalizeH="0" baseline="0">
-                <a:solidFill>
-                  <a:schemeClr val="tx1">
-                    <a:lumMod val="65000"/>
-                    <a:lumOff val="35000"/>
-                  </a:schemeClr>
-                </a:solidFill>
-                <a:uFill>
-                  <a:solidFill>
-                    <a:schemeClr val="tx1">
-                      <a:lumMod val="65000"/>
-                      <a:lumOff val="35000"/>
-                    </a:schemeClr>
-                  </a:solidFill>
-                </a:uFill>
-                <a:latin typeface="+mn-lt"/>
-                <a:ea typeface="+mn-ea"/>
-                <a:cs typeface="+mn-cs"/>
-              </a:defRPr>
-            </a:pPr>
-          </a:p>
-        </c:txPr>
-      </c:legendEntry>
-      <c:layout>
-        <c:manualLayout>
-          <c:xMode val="edge"/>
-          <c:yMode val="edge"/>
-          <c:x val="0.747222222222222"/>
-          <c:y val="0.389152769708071"/>
-          <c:w val="0.243518518518519"/>
-          <c:h val="0.345672013316107"/>
-        </c:manualLayout>
-      </c:layout>
-      <c:overlay val="0"/>
-      <c:spPr>
-        <a:noFill/>
-        <a:ln>
-          <a:noFill/>
-        </a:ln>
-        <a:effectLst/>
-      </c:spPr>
-      <c:txPr>
-        <a:bodyPr rot="0" spcFirstLastPara="0" vertOverflow="ellipsis" vert="horz" wrap="square" anchor="ctr" anchorCtr="1"/>
-        <a:lstStyle/>
-        <a:p>
-          <a:pPr>
-            <a:defRPr lang="zh-CN" sz="2800" b="0" i="0" u="none" strike="noStrike" kern="1200" cap="none" spc="0" normalizeH="0" baseline="0">
-              <a:solidFill>
-                <a:schemeClr val="tx1">
-                  <a:lumMod val="65000"/>
-                  <a:lumOff val="35000"/>
-                </a:schemeClr>
-              </a:solidFill>
-              <a:uFill>
-                <a:solidFill>
-                  <a:schemeClr val="tx1">
-                    <a:lumMod val="65000"/>
-                    <a:lumOff val="35000"/>
-                  </a:schemeClr>
-                </a:solidFill>
-              </a:uFill>
-              <a:latin typeface="+mn-lt"/>
-              <a:ea typeface="+mn-ea"/>
-              <a:cs typeface="+mn-cs"/>
-            </a:defRPr>
-          </a:pPr>
-        </a:p>
-      </c:txPr>
-    </c:legend>
-    <c:plotVisOnly val="1"/>
-    <c:dispBlanksAs val="gap"/>
-    <c:showDLblsOverMax val="0"/>
-  </c:chart>
-  <c:spPr>
-    <a:noFill/>
-    <a:ln>
-      <a:noFill/>
-    </a:ln>
-    <a:effectLst/>
-  </c:spPr>
-  <c:txPr>
-    <a:bodyPr/>
-    <a:lstStyle/>
-    <a:p>
-      <a:pPr>
-        <a:defRPr lang="zh-CN"/>
-      </a:pPr>
-    </a:p>
-  </c:txPr>
-  <c:externalData r:id="rId1">
-    <c:autoUpdate val="0"/>
-  </c:externalData>
-</c:chartSpace>
-</file>
-
-<file path=ppt/charts/colors1.xml><?xml version="1.0" encoding="utf-8"?>
-<cs:colorStyle xmlns:cs="http://schemas.microsoft.com/office/drawing/2012/chartStyle" xmlns:a="http://schemas.openxmlformats.org/drawingml/2006/main" meth="cycle" id="10">
-  <a:schemeClr val="accent1"/>
-  <a:schemeClr val="accent2"/>
-  <a:schemeClr val="accent3"/>
-  <a:schemeClr val="accent4"/>
-  <a:schemeClr val="accent5"/>
-  <a:schemeClr val="accent6"/>
-  <cs:variation/>
-  <cs:variation>
-    <a:lumMod val="60000"/>
-  </cs:variation>
-  <cs:variation>
-    <a:lumMod val="80000"/>
-    <a:lumOff val="20000"/>
-  </cs:variation>
-  <cs:variation>
-    <a:lumMod val="80000"/>
-  </cs:variation>
-  <cs:variation>
-    <a:lumMod val="60000"/>
-    <a:lumOff val="40000"/>
-  </cs:variation>
-  <cs:variation>
-    <a:lumMod val="50000"/>
-  </cs:variation>
-  <cs:variation>
-    <a:lumMod val="70000"/>
-    <a:lumOff val="30000"/>
-  </cs:variation>
-  <cs:variation>
-    <a:lumMod val="70000"/>
-  </cs:variation>
-  <cs:variation>
-    <a:lumMod val="50000"/>
-    <a:lumOff val="50000"/>
-  </cs:variation>
-</cs:colorStyle>
-</file>
-
-<file path=ppt/charts/style1.xml><?xml version="1.0" encoding="utf-8"?>
-<cs:chartStyle xmlns:cs="http://schemas.microsoft.com/office/drawing/2012/chartStyle" xmlns:a="http://schemas.openxmlformats.org/drawingml/2006/main" id="252">
-  <cs:axisTitle>
-    <cs:lnRef idx="0"/>
-    <cs:fillRef idx="0"/>
-    <cs:effectRef idx="0"/>
-    <cs:fontRef idx="minor">
-      <a:schemeClr val="tx1">
-        <a:lumMod val="65000"/>
-        <a:lumOff val="35000"/>
-      </a:schemeClr>
-    </cs:fontRef>
-    <cs:defRPr sz="900" b="1" kern="1200"/>
-  </cs:axisTitle>
-  <cs:categoryAxis>
-    <cs:lnRef idx="0"/>
-    <cs:fillRef idx="0"/>
-    <cs:effectRef idx="0"/>
-    <cs:fontRef idx="minor">
-      <a:schemeClr val="tx1">
-        <a:lumMod val="65000"/>
-        <a:lumOff val="35000"/>
-      </a:schemeClr>
-    </cs:fontRef>
-    <cs:spPr>
-      <a:ln w="19050" cap="flat" cmpd="sng" algn="ctr">
-        <a:solidFill>
-          <a:schemeClr val="tx1">
-            <a:lumMod val="25000"/>
-            <a:lumOff val="75000"/>
-          </a:schemeClr>
-        </a:solidFill>
-        <a:round/>
-      </a:ln>
-    </cs:spPr>
-    <cs:defRPr sz="900" kern="1200"/>
-  </cs:categoryAxis>
-  <cs:chartArea mods="allowNoFillOverride allowNoLineOverride">
-    <cs:lnRef idx="0"/>
-    <cs:fillRef idx="0"/>
-    <cs:effectRef idx="0"/>
-    <cs:fontRef idx="minor">
-      <a:schemeClr val="dk1"/>
-    </cs:fontRef>
-    <cs:spPr>
-      <a:solidFill>
-        <a:schemeClr val="bg1"/>
-      </a:solidFill>
-      <a:ln w="9525" cap="flat" cmpd="sng" algn="ctr">
-        <a:solidFill>
-          <a:schemeClr val="tx1">
-            <a:lumMod val="15000"/>
-            <a:lumOff val="85000"/>
-          </a:schemeClr>
-        </a:solidFill>
-        <a:round/>
-      </a:ln>
-    </cs:spPr>
-    <cs:defRPr sz="900" kern="1200"/>
-  </cs:chartArea>
-  <cs:dataLabel>
-    <cs:lnRef idx="0"/>
-    <cs:fillRef idx="0"/>
-    <cs:effectRef idx="0"/>
-    <cs:fontRef idx="minor">
-      <a:schemeClr val="tx1">
-        <a:lumMod val="75000"/>
-        <a:lumOff val="25000"/>
-      </a:schemeClr>
-    </cs:fontRef>
-    <cs:defRPr sz="900" kern="1200"/>
-  </cs:dataLabel>
-  <cs:dataLabelCallout>
-    <cs:lnRef idx="0"/>
-    <cs:fillRef idx="0"/>
-    <cs:effectRef idx="0"/>
-    <cs:fontRef idx="minor">
-      <a:schemeClr val="dk1">
-        <a:lumMod val="65000"/>
-        <a:lumOff val="35000"/>
-      </a:schemeClr>
-    </cs:fontRef>
-    <cs:spPr>
-      <a:solidFill>
-        <a:schemeClr val="lt1"/>
-      </a:solidFill>
-      <a:ln>
-        <a:solidFill>
-          <a:schemeClr val="dk1">
-            <a:lumMod val="25000"/>
-            <a:lumOff val="75000"/>
-          </a:schemeClr>
-        </a:solidFill>
-      </a:ln>
-    </cs:spPr>
-    <cs:defRPr sz="900" kern="1200"/>
-    <cs:bodyPr rot="0" spcFirstLastPara="1" vertOverflow="clip" horzOverflow="clip" vert="horz" wrap="square" lIns="36576" tIns="18288" rIns="36576" bIns="18288" anchor="ctr" anchorCtr="1">
-      <a:spAutoFit/>
-    </cs:bodyPr>
-  </cs:dataLabelCallout>
-  <cs:dataPoint>
-    <cs:lnRef idx="0"/>
-    <cs:fillRef idx="0">
-      <cs:styleClr val="auto"/>
-    </cs:fillRef>
-    <cs:effectRef idx="0">
-      <cs:styleClr val="auto"/>
-    </cs:effectRef>
-    <cs:fontRef idx="minor">
-      <a:schemeClr val="dk1"/>
-    </cs:fontRef>
-    <cs:spPr>
-      <a:pattFill prst="ltUpDiag">
-        <a:fgClr>
-          <a:schemeClr val="phClr"/>
-        </a:fgClr>
-        <a:bgClr>
-          <a:schemeClr val="phClr">
-            <a:lumMod val="20000"/>
-            <a:lumOff val="80000"/>
-          </a:schemeClr>
-        </a:bgClr>
-      </a:pattFill>
-      <a:ln w="19050">
-        <a:solidFill>
-          <a:schemeClr val="lt1"/>
-        </a:solidFill>
-      </a:ln>
-      <a:effectLst>
-        <a:innerShdw blurRad="114300">
-          <a:schemeClr val="phClr"/>
-        </a:innerShdw>
-      </a:effectLst>
-    </cs:spPr>
-  </cs:dataPoint>
-  <cs:dataPoint3D>
-    <cs:lnRef idx="0"/>
-    <cs:fillRef idx="0">
-      <cs:styleClr val="auto"/>
-    </cs:fillRef>
-    <cs:effectRef idx="0"/>
-    <cs:fontRef idx="minor">
-      <a:schemeClr val="dk1"/>
-    </cs:fontRef>
-    <cs:spPr>
-      <a:pattFill prst="ltUpDiag">
-        <a:fgClr>
-          <a:schemeClr val="phClr"/>
-        </a:fgClr>
-        <a:bgClr>
-          <a:schemeClr val="phClr">
-            <a:lumMod val="20000"/>
-            <a:lumOff val="80000"/>
-          </a:schemeClr>
-        </a:bgClr>
-      </a:pattFill>
-      <a:ln w="19050">
-        <a:solidFill>
-          <a:schemeClr val="lt1"/>
-        </a:solidFill>
-      </a:ln>
-      <a:effectLst>
-        <a:innerShdw blurRad="114300">
-          <a:schemeClr val="phClr"/>
-        </a:innerShdw>
-      </a:effectLst>
-    </cs:spPr>
-  </cs:dataPoint3D>
-  <cs:dataPointLine>
-    <cs:lnRef idx="0">
-      <cs:styleClr val="auto"/>
-    </cs:lnRef>
-    <cs:fillRef idx="0"/>
-    <cs:effectRef idx="0"/>
-    <cs:fontRef idx="minor">
-      <a:schemeClr val="dk1"/>
-    </cs:fontRef>
-    <cs:spPr>
-      <a:ln w="28575" cap="rnd">
-        <a:solidFill>
-          <a:schemeClr val="phClr"/>
-        </a:solidFill>
-        <a:round/>
-      </a:ln>
-    </cs:spPr>
-  </cs:dataPointLine>
-  <cs:dataPointMarker>
-    <cs:lnRef idx="0"/>
-    <cs:fillRef idx="0">
-      <cs:styleClr val="auto"/>
-    </cs:fillRef>
-    <cs:effectRef idx="0"/>
-    <cs:fontRef idx="minor">
-      <a:schemeClr val="dk1"/>
-    </cs:fontRef>
-    <cs:spPr>
-      <a:solidFill>
-        <a:schemeClr val="phClr"/>
-      </a:solidFill>
-      <a:ln w="9525">
-        <a:solidFill>
-          <a:schemeClr val="lt1"/>
-        </a:solidFill>
-      </a:ln>
-    </cs:spPr>
-  </cs:dataPointMarker>
-  <cs:dataPointMarkerLayout symbol="circle" size="6"/>
-  <cs:dataPointWireframe>
-    <cs:lnRef idx="0">
-      <cs:styleClr val="auto"/>
-    </cs:lnRef>
-    <cs:fillRef idx="0"/>
-    <cs:effectRef idx="0"/>
-    <cs:fontRef idx="minor">
-      <a:schemeClr val="dk1"/>
-    </cs:fontRef>
-    <cs:spPr>
-      <a:ln w="9525" cap="rnd">
-        <a:solidFill>
-          <a:schemeClr val="phClr"/>
-        </a:solidFill>
-        <a:round/>
-      </a:ln>
-    </cs:spPr>
-  </cs:dataPointWireframe>
-  <cs:dataTable>
-    <cs:lnRef idx="0"/>
-    <cs:fillRef idx="0"/>
-    <cs:effectRef idx="0"/>
-    <cs:fontRef idx="minor">
-      <a:schemeClr val="tx1">
-        <a:lumMod val="65000"/>
-        <a:lumOff val="35000"/>
-      </a:schemeClr>
-    </cs:fontRef>
-    <cs:spPr>
-      <a:ln w="9525">
-        <a:solidFill>
-          <a:schemeClr val="tx1">
-            <a:lumMod val="15000"/>
-            <a:lumOff val="85000"/>
-          </a:schemeClr>
-        </a:solidFill>
-      </a:ln>
-    </cs:spPr>
-    <cs:defRPr sz="900" kern="1200"/>
-  </cs:dataTable>
-  <cs:downBar>
-    <cs:lnRef idx="0"/>
-    <cs:fillRef idx="0"/>
-    <cs:effectRef idx="0"/>
-    <cs:fontRef idx="minor">
-      <a:schemeClr val="dk1"/>
-    </cs:fontRef>
-    <cs:spPr>
-      <a:solidFill>
-        <a:schemeClr val="dk1">
-          <a:lumMod val="75000"/>
-          <a:lumOff val="25000"/>
-        </a:schemeClr>
-      </a:solidFill>
-      <a:ln w="9525">
-        <a:solidFill>
-          <a:schemeClr val="tx1">
-            <a:lumMod val="50000"/>
-            <a:lumOff val="50000"/>
-          </a:schemeClr>
-        </a:solidFill>
-      </a:ln>
-    </cs:spPr>
-  </cs:downBar>
-  <cs:dropLine>
-    <cs:lnRef idx="0"/>
-    <cs:fillRef idx="0"/>
-    <cs:effectRef idx="0"/>
-    <cs:fontRef idx="minor">
-      <a:schemeClr val="dk1"/>
-    </cs:fontRef>
-    <cs:spPr>
-      <a:ln w="9525">
-        <a:solidFill>
-          <a:schemeClr val="tx1">
-            <a:lumMod val="35000"/>
-            <a:lumOff val="65000"/>
-          </a:schemeClr>
-        </a:solidFill>
-        <a:round/>
-      </a:ln>
-    </cs:spPr>
-  </cs:dropLine>
-  <cs:errorBar>
-    <cs:lnRef idx="0"/>
-    <cs:fillRef idx="0"/>
-    <cs:effectRef idx="0"/>
-    <cs:fontRef idx="minor">
-      <a:schemeClr val="dk1"/>
-    </cs:fontRef>
-    <cs:spPr>
-      <a:ln w="9525">
-        <a:solidFill>
-          <a:schemeClr val="tx1">
-            <a:lumMod val="50000"/>
-            <a:lumOff val="50000"/>
-          </a:schemeClr>
-        </a:solidFill>
-        <a:round/>
-      </a:ln>
-    </cs:spPr>
-  </cs:errorBar>
-  <cs:floor>
-    <cs:lnRef idx="0"/>
-    <cs:fillRef idx="0"/>
-    <cs:effectRef idx="0"/>
-    <cs:fontRef idx="minor">
-      <a:schemeClr val="dk1"/>
-    </cs:fontRef>
-  </cs:floor>
-  <cs:gridlineMajor>
-    <cs:lnRef idx="0"/>
-    <cs:fillRef idx="0"/>
-    <cs:effectRef idx="0"/>
-    <cs:fontRef idx="minor">
-      <a:schemeClr val="dk1"/>
-    </cs:fontRef>
-    <cs:spPr>
-      <a:ln>
-        <a:solidFill>
-          <a:schemeClr val="tx1">
-            <a:lumMod val="15000"/>
-            <a:lumOff val="85000"/>
-          </a:schemeClr>
-        </a:solidFill>
-      </a:ln>
-    </cs:spPr>
-  </cs:gridlineMajor>
-  <cs:gridlineMinor>
-    <cs:lnRef idx="0"/>
-    <cs:fillRef idx="0"/>
-    <cs:effectRef idx="0"/>
-    <cs:fontRef idx="minor">
-      <a:schemeClr val="dk1"/>
-    </cs:fontRef>
-    <cs:spPr>
-      <a:ln>
-        <a:solidFill>
-          <a:schemeClr val="tx1">
-            <a:lumMod val="5000"/>
-            <a:lumOff val="95000"/>
-          </a:schemeClr>
-        </a:solidFill>
-      </a:ln>
-    </cs:spPr>
-  </cs:gridlineMinor>
-  <cs:hiLoLine>
-    <cs:lnRef idx="0"/>
-    <cs:fillRef idx="0"/>
-    <cs:effectRef idx="0"/>
-    <cs:fontRef idx="minor">
-      <a:schemeClr val="dk1"/>
-    </cs:fontRef>
-    <cs:spPr>
-      <a:ln w="9525">
-        <a:solidFill>
-          <a:schemeClr val="tx1">
-            <a:lumMod val="35000"/>
-            <a:lumOff val="65000"/>
-          </a:schemeClr>
-        </a:solidFill>
-        <a:round/>
-      </a:ln>
-    </cs:spPr>
-  </cs:hiLoLine>
-  <cs:leaderLine>
-    <cs:lnRef idx="0"/>
-    <cs:fillRef idx="0"/>
-    <cs:effectRef idx="0"/>
-    <cs:fontRef idx="minor">
-      <a:schemeClr val="dk1"/>
-    </cs:fontRef>
-    <cs:spPr>
-      <a:ln w="9525">
-        <a:solidFill>
-          <a:schemeClr val="tx1">
-            <a:lumMod val="35000"/>
-            <a:lumOff val="65000"/>
-          </a:schemeClr>
-        </a:solidFill>
-      </a:ln>
-    </cs:spPr>
-  </cs:leaderLine>
-  <cs:legend>
-    <cs:lnRef idx="0"/>
-    <cs:fillRef idx="0"/>
-    <cs:effectRef idx="0"/>
-    <cs:fontRef idx="minor">
-      <a:schemeClr val="tx1">
-        <a:lumMod val="65000"/>
-        <a:lumOff val="35000"/>
-      </a:schemeClr>
-    </cs:fontRef>
-    <cs:defRPr sz="900" kern="1200"/>
-  </cs:legend>
-  <cs:plotArea mods="allowNoFillOverride allowNoLineOverride">
-    <cs:lnRef idx="0"/>
-    <cs:fillRef idx="0"/>
-    <cs:effectRef idx="0"/>
-    <cs:fontRef idx="minor">
-      <a:schemeClr val="dk1"/>
-    </cs:fontRef>
-  </cs:plotArea>
-  <cs:plotArea3D mods="allowNoFillOverride allowNoLineOverride">
-    <cs:lnRef idx="0"/>
-    <cs:fillRef idx="0"/>
-    <cs:effectRef idx="0"/>
-    <cs:fontRef idx="minor">
-      <a:schemeClr val="dk1"/>
-    </cs:fontRef>
-  </cs:plotArea3D>
-  <cs:seriesAxis>
-    <cs:lnRef idx="0"/>
-    <cs:fillRef idx="0"/>
-    <cs:effectRef idx="0"/>
-    <cs:fontRef idx="minor">
-      <a:schemeClr val="tx1">
-        <a:lumMod val="65000"/>
-        <a:lumOff val="35000"/>
-      </a:schemeClr>
-    </cs:fontRef>
-    <cs:defRPr sz="900" kern="1200"/>
-  </cs:seriesAxis>
-  <cs:seriesLine>
-    <cs:lnRef idx="0"/>
-    <cs:fillRef idx="0"/>
-    <cs:effectRef idx="0"/>
-    <cs:fontRef idx="minor">
-      <a:schemeClr val="dk1"/>
-    </cs:fontRef>
-    <cs:spPr>
-      <a:ln w="9525">
-        <a:solidFill>
-          <a:schemeClr val="tx1">
-            <a:lumMod val="35000"/>
-            <a:lumOff val="65000"/>
-          </a:schemeClr>
-        </a:solidFill>
-        <a:round/>
-      </a:ln>
-    </cs:spPr>
-  </cs:seriesLine>
-  <cs:title>
-    <cs:lnRef idx="0"/>
-    <cs:fillRef idx="0"/>
-    <cs:effectRef idx="0"/>
-    <cs:fontRef idx="minor">
-      <a:schemeClr val="tx1">
-        <a:lumMod val="50000"/>
-        <a:lumOff val="50000"/>
-      </a:schemeClr>
-    </cs:fontRef>
-    <cs:defRPr sz="1800" b="1" kern="1200" cap="all" spc="150" baseline="0"/>
-  </cs:title>
-  <cs:trendline>
-    <cs:lnRef idx="0">
-      <cs:styleClr val="auto"/>
-    </cs:lnRef>
-    <cs:fillRef idx="0"/>
-    <cs:effectRef idx="0"/>
-    <cs:fontRef idx="minor">
-      <a:schemeClr val="dk1"/>
-    </cs:fontRef>
-    <cs:spPr>
-      <a:ln w="19050" cap="rnd">
-        <a:solidFill>
-          <a:schemeClr val="phClr"/>
-        </a:solidFill>
-      </a:ln>
-    </cs:spPr>
-  </cs:trendline>
-  <cs:trendlineLabel>
-    <cs:lnRef idx="0"/>
-    <cs:fillRef idx="0"/>
-    <cs:effectRef idx="0"/>
-    <cs:fontRef idx="minor">
-      <a:schemeClr val="tx1">
-        <a:lumMod val="65000"/>
-        <a:lumOff val="35000"/>
-      </a:schemeClr>
-    </cs:fontRef>
-    <cs:defRPr sz="900" kern="1200"/>
-  </cs:trendlineLabel>
-  <cs:upBar>
-    <cs:lnRef idx="0"/>
-    <cs:fillRef idx="0"/>
-    <cs:effectRef idx="0"/>
-    <cs:fontRef idx="minor">
-      <a:schemeClr val="dk1"/>
-    </cs:fontRef>
-    <cs:spPr>
-      <a:solidFill>
-        <a:schemeClr val="lt1"/>
-      </a:solidFill>
-      <a:ln w="9525">
-        <a:solidFill>
-          <a:schemeClr val="tx1">
-            <a:lumMod val="50000"/>
-            <a:lumOff val="50000"/>
-          </a:schemeClr>
-        </a:solidFill>
-      </a:ln>
-    </cs:spPr>
-  </cs:upBar>
-  <cs:valueAxis>
-    <cs:lnRef idx="0"/>
-    <cs:fillRef idx="0"/>
-    <cs:effectRef idx="0"/>
-    <cs:fontRef idx="minor">
-      <a:schemeClr val="tx1">
-        <a:lumMod val="65000"/>
-        <a:lumOff val="35000"/>
-      </a:schemeClr>
-    </cs:fontRef>
-    <cs:defRPr sz="900" kern="1200"/>
-  </cs:valueAxis>
-  <cs:wall>
-    <cs:lnRef idx="0"/>
-    <cs:fillRef idx="0"/>
-    <cs:effectRef idx="0"/>
-    <cs:fontRef idx="minor">
-      <a:schemeClr val="dk1"/>
-    </cs:fontRef>
-  </cs:wall>
-</cs:chartStyle>
 </file>
 
 <file path=ppt/notesMasters/notesMaster1.xml><?xml version="1.0" encoding="utf-8"?>
@@ -8995,780 +7968,17 @@
           <a:p>
             <a:r>
               <a:rPr lang="zh-CN" altLang="en-US"/>
-              <a:t>本学期安排</a:t>
-            </a:r>
-            <a:br>
-              <a:rPr lang="zh-CN" altLang="en-US"/>
-            </a:br>
+              <a:t>课程内容</a:t>
+            </a:r>
             <a:endParaRPr lang="zh-CN" altLang="en-US"/>
-          </a:p>
-        </p:txBody>
-      </p:sp>
-      <p:sp>
-        <p:nvSpPr>
-          <p:cNvPr id="3" name="内容占位符 2"/>
-          <p:cNvSpPr>
-            <a:spLocks noGrp="1"/>
-          </p:cNvSpPr>
-          <p:nvPr>
-            <p:ph idx="1"/>
-          </p:nvPr>
-        </p:nvSpPr>
-        <p:spPr/>
-        <p:txBody>
-          <a:bodyPr/>
-          <a:p>
-            <a:r>
-              <a:rPr lang="zh-CN" altLang="en-US"/>
-              <a:t> 授课（</a:t>
-            </a:r>
-            <a:r>
-              <a:rPr lang="en-US" altLang="zh-CN"/>
-              <a:t>8</a:t>
-            </a:r>
-            <a:r>
-              <a:t>周</a:t>
-            </a:r>
-            <a:r>
-              <a:rPr lang="zh-CN" altLang="en-US"/>
-              <a:t>）</a:t>
-            </a:r>
-            <a:r>
-              <a:rPr lang="en-US" altLang="zh-CN"/>
-              <a:t>+</a:t>
-            </a:r>
-            <a:r>
-              <a:t>实训</a:t>
-            </a:r>
-            <a:r>
-              <a:rPr lang="zh-CN" altLang="en-US"/>
-              <a:t>  </a:t>
-            </a:r>
-            <a:endParaRPr lang="zh-CN" altLang="en-US"/>
-          </a:p>
-          <a:p>
-            <a:endParaRPr lang="zh-CN" altLang="en-US"/>
-          </a:p>
-          <a:p>
-            <a:r>
-              <a:rPr lang="zh-CN" altLang="en-US"/>
-              <a:t>          </a:t>
-            </a:r>
-            <a:endParaRPr lang="zh-CN" altLang="en-US"/>
-          </a:p>
-          <a:p>
-            <a:endParaRPr lang="zh-CN" altLang="en-US"/>
-          </a:p>
-        </p:txBody>
-      </p:sp>
-      <p:graphicFrame>
-        <p:nvGraphicFramePr>
-          <p:cNvPr id="5" name="表格 4"/>
-          <p:cNvGraphicFramePr/>
-          <p:nvPr/>
-        </p:nvGraphicFramePr>
-        <p:xfrm>
-          <a:off x="673735" y="2509520"/>
-          <a:ext cx="8013065" cy="3616960"/>
-        </p:xfrm>
-        <a:graphic>
-          <a:graphicData uri="http://schemas.openxmlformats.org/drawingml/2006/table">
-            <a:tbl>
-              <a:tblPr firstRow="1" bandRow="1">
-                <a:tableStyleId>{5C22544A-7EE6-4342-B048-85BDC9FD1C3A}</a:tableStyleId>
-              </a:tblPr>
-              <a:tblGrid>
-                <a:gridCol w="4006850"/>
-                <a:gridCol w="4006215"/>
-              </a:tblGrid>
-              <a:tr h="365760">
-                <a:tc>
-                  <a:txBody>
-                    <a:bodyPr/>
-                    <a:p>
-                      <a:pPr>
-                        <a:buNone/>
-                      </a:pPr>
-                      <a:r>
-                        <a:rPr lang="zh-CN" altLang="en-US">
-                          <a:solidFill>
-                            <a:schemeClr val="tx1"/>
-                          </a:solidFill>
-                        </a:rPr>
-                        <a:t>课程</a:t>
-                      </a:r>
-                      <a:endParaRPr lang="zh-CN" altLang="en-US">
-                        <a:solidFill>
-                          <a:schemeClr val="tx1"/>
-                        </a:solidFill>
-                      </a:endParaRPr>
-                    </a:p>
-                  </a:txBody>
-                  <a:tcPr/>
-                </a:tc>
-                <a:tc>
-                  <a:txBody>
-                    <a:bodyPr/>
-                    <a:p>
-                      <a:pPr>
-                        <a:buNone/>
-                      </a:pPr>
-                      <a:r>
-                        <a:rPr lang="zh-CN" altLang="en-US">
-                          <a:solidFill>
-                            <a:schemeClr val="tx1"/>
-                          </a:solidFill>
-                        </a:rPr>
-                        <a:t>任课老师</a:t>
-                      </a:r>
-                      <a:endParaRPr lang="zh-CN" altLang="en-US">
-                        <a:solidFill>
-                          <a:schemeClr val="tx1"/>
-                        </a:solidFill>
-                      </a:endParaRPr>
-                    </a:p>
-                  </a:txBody>
-                  <a:tcPr/>
-                </a:tc>
-              </a:tr>
-              <a:tr h="649605">
-                <a:tc>
-                  <a:txBody>
-                    <a:bodyPr/>
-                    <a:p>
-                      <a:pPr>
-                        <a:buNone/>
-                      </a:pPr>
-                      <a:r>
-                        <a:rPr lang="zh-CN" altLang="en-US" sz="1800">
-                          <a:sym typeface="+mn-ea"/>
-                        </a:rPr>
-                        <a:t>数据仓库与数据挖掘基础</a:t>
-                      </a:r>
-                      <a:endParaRPr lang="zh-CN" altLang="en-US"/>
-                    </a:p>
-                  </a:txBody>
-                  <a:tcPr/>
-                </a:tc>
-                <a:tc>
-                  <a:txBody>
-                    <a:bodyPr/>
-                    <a:p>
-                      <a:pPr>
-                        <a:buNone/>
-                      </a:pPr>
-                      <a:r>
-                        <a:rPr lang="zh-CN" altLang="en-US" sz="1800">
-                          <a:sym typeface="+mn-ea"/>
-                        </a:rPr>
-                        <a:t>武永亮</a:t>
-                      </a:r>
-                      <a:endParaRPr lang="zh-CN" altLang="en-US"/>
-                    </a:p>
-                  </a:txBody>
-                  <a:tcPr/>
-                </a:tc>
-              </a:tr>
-              <a:tr h="811530">
-                <a:tc>
-                  <a:txBody>
-                    <a:bodyPr/>
-                    <a:p>
-                      <a:pPr>
-                        <a:buNone/>
-                      </a:pPr>
-                      <a:r>
-                        <a:rPr lang="zh-CN" altLang="en-US" sz="1800">
-                          <a:sym typeface="+mn-ea"/>
-                        </a:rPr>
-                        <a:t>R语言与统计分析</a:t>
-                      </a:r>
-                      <a:endParaRPr lang="zh-CN" altLang="en-US"/>
-                    </a:p>
-                  </a:txBody>
-                  <a:tcPr/>
-                </a:tc>
-                <a:tc>
-                  <a:txBody>
-                    <a:bodyPr/>
-                    <a:p>
-                      <a:pPr>
-                        <a:buNone/>
-                      </a:pPr>
-                      <a:r>
-                        <a:rPr lang="zh-CN" altLang="en-US" sz="1800">
-                          <a:sym typeface="+mn-ea"/>
-                        </a:rPr>
-                        <a:t>孙丽萍</a:t>
-                      </a:r>
-                      <a:endParaRPr lang="zh-CN" altLang="en-US"/>
-                    </a:p>
-                  </a:txBody>
-                  <a:tcPr/>
-                </a:tc>
-              </a:tr>
-              <a:tr h="942975">
-                <a:tc>
-                  <a:txBody>
-                    <a:bodyPr/>
-                    <a:p>
-                      <a:pPr>
-                        <a:buNone/>
-                      </a:pPr>
-                      <a:r>
-                        <a:rPr lang="zh-CN" altLang="en-US" sz="1800">
-                          <a:sym typeface="+mn-ea"/>
-                        </a:rPr>
-                        <a:t>python </a:t>
-                      </a:r>
-                      <a:endParaRPr lang="zh-CN" altLang="en-US"/>
-                    </a:p>
-                  </a:txBody>
-                  <a:tcPr/>
-                </a:tc>
-                <a:tc>
-                  <a:txBody>
-                    <a:bodyPr/>
-                    <a:p>
-                      <a:pPr>
-                        <a:buNone/>
-                      </a:pPr>
-                      <a:r>
-                        <a:rPr lang="zh-CN" altLang="en-US"/>
-                        <a:t>江琳</a:t>
-                      </a:r>
-                      <a:endParaRPr lang="zh-CN" altLang="en-US"/>
-                    </a:p>
-                  </a:txBody>
-                  <a:tcPr/>
-                </a:tc>
-              </a:tr>
-              <a:tr h="847090">
-                <a:tc>
-                  <a:txBody>
-                    <a:bodyPr/>
-                    <a:p>
-                      <a:pPr>
-                        <a:buNone/>
-                      </a:pPr>
-                      <a:r>
-                        <a:rPr lang="zh-CN" altLang="en-US" sz="1800">
-                          <a:sym typeface="+mn-ea"/>
-                        </a:rPr>
-                        <a:t>hadoop</a:t>
-                      </a:r>
-                      <a:endParaRPr lang="zh-CN" altLang="en-US" sz="1800">
-                        <a:sym typeface="+mn-ea"/>
-                      </a:endParaRPr>
-                    </a:p>
-                    <a:p>
-                      <a:pPr>
-                        <a:buNone/>
-                      </a:pPr>
-                      <a:endParaRPr lang="zh-CN" altLang="en-US"/>
-                    </a:p>
-                  </a:txBody>
-                  <a:tcPr/>
-                </a:tc>
-                <a:tc>
-                  <a:txBody>
-                    <a:bodyPr/>
-                    <a:p>
-                      <a:pPr>
-                        <a:buNone/>
-                      </a:pPr>
-                      <a:r>
-                        <a:rPr lang="zh-CN" altLang="en-US"/>
-                        <a:t>武永亮</a:t>
-                      </a:r>
-                      <a:endParaRPr lang="zh-CN" altLang="en-US"/>
-                    </a:p>
-                  </a:txBody>
-                  <a:tcPr/>
-                </a:tc>
-              </a:tr>
-            </a:tbl>
-          </a:graphicData>
-        </a:graphic>
-      </p:graphicFrame>
-    </p:spTree>
-  </p:cSld>
-  <p:clrMapOvr>
-    <a:masterClrMapping/>
-  </p:clrMapOvr>
-  <p:timing>
-    <p:tnLst>
-      <p:par>
-        <p:cTn id="1" dur="indefinite" restart="never" nodeType="tmRoot">
-          <p:childTnLst>
-            <p:seq concurrent="1" nextAc="seek">
-              <p:cTn id="2" dur="indefinite" nodeType="mainSeq">
-                <p:childTnLst>
-                  <p:par>
-                    <p:cTn id="3" fill="hold">
-                      <p:stCondLst>
-                        <p:cond delay="indefinite"/>
-                      </p:stCondLst>
-                      <p:childTnLst>
-                        <p:par>
-                          <p:cTn id="4" fill="hold">
-                            <p:stCondLst>
-                              <p:cond delay="0"/>
-                            </p:stCondLst>
-                            <p:childTnLst>
-                              <p:par>
-                                <p:cTn id="5" presetID="5" presetClass="entr" presetSubtype="10" fill="hold" nodeType="clickEffect">
-                                  <p:stCondLst>
-                                    <p:cond delay="0"/>
-                                  </p:stCondLst>
-                                  <p:childTnLst>
-                                    <p:set>
-                                      <p:cBhvr>
-                                        <p:cTn id="6" dur="1" fill="hold">
-                                          <p:stCondLst>
-                                            <p:cond delay="0"/>
-                                          </p:stCondLst>
-                                        </p:cTn>
-                                        <p:tgtEl>
-                                          <p:spTgt spid="5"/>
-                                        </p:tgtEl>
-                                        <p:attrNameLst>
-                                          <p:attrName>style.visibility</p:attrName>
-                                        </p:attrNameLst>
-                                      </p:cBhvr>
-                                      <p:to>
-                                        <p:strVal val="visible"/>
-                                      </p:to>
-                                    </p:set>
-                                    <p:animEffect transition="in" filter="checkerboard(across)">
-                                      <p:cBhvr>
-                                        <p:cTn id="7" dur="500"/>
-                                        <p:tgtEl>
-                                          <p:spTgt spid="5"/>
-                                        </p:tgtEl>
-                                      </p:cBhvr>
-                                    </p:animEffect>
-                                  </p:childTnLst>
-                                </p:cTn>
-                              </p:par>
-                            </p:childTnLst>
-                          </p:cTn>
-                        </p:par>
-                      </p:childTnLst>
-                    </p:cTn>
-                  </p:par>
-                </p:childTnLst>
-              </p:cTn>
-              <p:prevCondLst>
-                <p:cond evt="onPrev" delay="0">
-                  <p:tgtEl>
-                    <p:sldTgt/>
-                  </p:tgtEl>
-                </p:cond>
-              </p:prevCondLst>
-              <p:nextCondLst>
-                <p:cond evt="onNext" delay="0">
-                  <p:tgtEl>
-                    <p:sldTgt/>
-                  </p:tgtEl>
-                </p:cond>
-              </p:nextCondLst>
-            </p:seq>
-          </p:childTnLst>
-        </p:cTn>
-      </p:par>
-    </p:tnLst>
-  </p:timing>
-</p:sld>
-</file>
-
-<file path=ppt/slides/slide10.xml><?xml version="1.0" encoding="utf-8"?>
-<p:sld xmlns:a="http://schemas.openxmlformats.org/drawingml/2006/main" xmlns:r="http://schemas.openxmlformats.org/officeDocument/2006/relationships" xmlns:p="http://schemas.openxmlformats.org/presentationml/2006/main">
-  <p:cSld>
-    <p:spTree>
-      <p:nvGrpSpPr>
-        <p:cNvPr id="1" name=""/>
-        <p:cNvGrpSpPr/>
-        <p:nvPr/>
-      </p:nvGrpSpPr>
-      <p:grpSpPr/>
-      <p:sp>
-        <p:nvSpPr>
-          <p:cNvPr id="15362" name="Rectangle 3"/>
-          <p:cNvSpPr>
-            <a:spLocks noGrp="1"/>
-          </p:cNvSpPr>
-          <p:nvPr>
-            <p:ph idx="1"/>
-          </p:nvPr>
-        </p:nvSpPr>
-        <p:spPr/>
-        <p:txBody>
-          <a:bodyPr vert="horz" wrap="square" lIns="91440" tIns="45720" rIns="91440" bIns="45720" anchor="t"/>
-          <a:p>
-            <a:pPr>
-              <a:lnSpc>
-                <a:spcPct val="120000"/>
-              </a:lnSpc>
-              <a:spcBef>
-                <a:spcPct val="0"/>
-              </a:spcBef>
-            </a:pPr>
-            <a:r>
-              <a:rPr lang="en-US" altLang="zh-CN" sz="2800" b="1" dirty="0"/>
-              <a:t>R</a:t>
-            </a:r>
-            <a:r>
-              <a:rPr lang="zh-CN" altLang="en-US" sz="2800" b="1" dirty="0"/>
-              <a:t>主页</a:t>
-            </a:r>
-            <a:r>
-              <a:rPr lang="en-US" altLang="zh-CN" sz="2800" b="1" dirty="0"/>
-              <a:t>:  </a:t>
-            </a:r>
-            <a:r>
-              <a:rPr lang="en-US" altLang="zh-CN" sz="2800" dirty="0">
-                <a:solidFill>
-                  <a:srgbClr val="FF0000"/>
-                </a:solidFill>
-              </a:rPr>
-              <a:t>http://www.r-project.org</a:t>
-            </a:r>
-            <a:endParaRPr lang="en-US" altLang="zh-CN" sz="2800" dirty="0">
-              <a:solidFill>
-                <a:srgbClr val="FF0000"/>
-              </a:solidFill>
-            </a:endParaRPr>
-          </a:p>
-          <a:p>
-            <a:pPr>
-              <a:lnSpc>
-                <a:spcPct val="120000"/>
-              </a:lnSpc>
-              <a:spcBef>
-                <a:spcPct val="0"/>
-              </a:spcBef>
-            </a:pPr>
-            <a:r>
-              <a:rPr lang="en-US" altLang="zh-CN" sz="2800" b="1" dirty="0"/>
-              <a:t>CRAN (Comprehensive R Archive Network),</a:t>
-            </a:r>
-            <a:r>
-              <a:rPr lang="en-US" altLang="zh-CN" sz="2800" dirty="0"/>
-              <a:t>   </a:t>
-            </a:r>
-            <a:r>
-              <a:rPr lang="en-US" altLang="zh-CN" sz="2800" dirty="0">
-                <a:solidFill>
-                  <a:srgbClr val="FF0000"/>
-                </a:solidFill>
-              </a:rPr>
-              <a:t>http://cran.r-project.org</a:t>
-            </a:r>
-            <a:endParaRPr lang="en-US" altLang="zh-CN" sz="2800" dirty="0">
-              <a:solidFill>
-                <a:srgbClr val="FF0000"/>
-              </a:solidFill>
-            </a:endParaRPr>
-          </a:p>
-          <a:p>
-            <a:pPr>
-              <a:lnSpc>
-                <a:spcPct val="120000"/>
-              </a:lnSpc>
-              <a:spcBef>
-                <a:spcPct val="0"/>
-              </a:spcBef>
-            </a:pPr>
-            <a:r>
-              <a:rPr lang="en-US" altLang="zh-CN" sz="2800" b="1" dirty="0"/>
-              <a:t>CRAN</a:t>
-            </a:r>
-            <a:r>
-              <a:rPr lang="zh-CN" altLang="en-US" sz="2800" b="1" dirty="0"/>
-              <a:t>的镜像站点</a:t>
-            </a:r>
-            <a:r>
-              <a:rPr lang="zh-CN" altLang="en-US" sz="2800" dirty="0"/>
-              <a:t> </a:t>
-            </a:r>
-            <a:br>
-              <a:rPr lang="zh-CN" altLang="en-US" sz="2800" dirty="0"/>
-            </a:br>
-            <a:r>
-              <a:rPr lang="en-US" altLang="zh-CN" sz="2800" dirty="0">
-                <a:solidFill>
-                  <a:srgbClr val="FF0000"/>
-                </a:solidFill>
-              </a:rPr>
-              <a:t>http://cran.r-project.org/mirrors.html</a:t>
-            </a:r>
-            <a:endParaRPr lang="en-US" altLang="zh-CN" sz="2800" dirty="0">
-              <a:solidFill>
-                <a:srgbClr val="FF0000"/>
-              </a:solidFill>
-            </a:endParaRPr>
-          </a:p>
-        </p:txBody>
-      </p:sp>
-      <p:sp>
-        <p:nvSpPr>
-          <p:cNvPr id="15363" name="灯片编号占位符 3"/>
-          <p:cNvSpPr txBox="1">
-            <a:spLocks noGrp="1"/>
-          </p:cNvSpPr>
-          <p:nvPr>
-            <p:ph type="sldNum" sz="quarter" idx="12"/>
-          </p:nvPr>
-        </p:nvSpPr>
-        <p:spPr>
-          <a:xfrm>
-            <a:off x="8647113" y="6408738"/>
-            <a:ext cx="366712" cy="365125"/>
-          </a:xfrm>
-          <a:noFill/>
-          <a:ln>
-            <a:noFill/>
-          </a:ln>
-        </p:spPr>
-        <p:txBody>
-          <a:bodyPr anchor="b"/>
-          <a:p>
-            <a:pPr marL="0" indent="0" algn="r" eaLnBrk="1" hangingPunct="1">
-              <a:spcBef>
-                <a:spcPct val="0"/>
-              </a:spcBef>
-              <a:buClr>
-                <a:srgbClr val="000000"/>
-              </a:buClr>
-              <a:buNone/>
-            </a:pPr>
-            <a:fld id="{9A0DB2DC-4C9A-4742-B13C-FB6460FD3503}" type="slidenum">
-              <a:rPr lang="en-US" altLang="zh-CN" sz="1000" dirty="0">
-                <a:latin typeface="Arial" panose="020B0604020202020204" pitchFamily="34" charset="0"/>
-                <a:ea typeface="宋体" panose="02010600030101010101" pitchFamily="2" charset="-122"/>
-              </a:rPr>
-            </a:fld>
-            <a:endParaRPr lang="en-US" altLang="zh-CN" sz="1000" dirty="0">
-              <a:latin typeface="Arial" panose="020B0604020202020204" pitchFamily="34" charset="0"/>
-              <a:ea typeface="宋体" panose="02010600030101010101" pitchFamily="2" charset="-122"/>
-            </a:endParaRPr>
-          </a:p>
-        </p:txBody>
-      </p:sp>
-      <p:sp>
-        <p:nvSpPr>
-          <p:cNvPr id="205826" name="Rectangle 2"/>
-          <p:cNvSpPr>
-            <a:spLocks noGrp="1" noChangeArrowheads="1"/>
-          </p:cNvSpPr>
-          <p:nvPr>
-            <p:ph type="title"/>
-          </p:nvPr>
-        </p:nvSpPr>
-        <p:spPr>
-          <a:noFill/>
-          <a:ln>
-            <a:noFill/>
-          </a:ln>
-          <a:effectLst/>
-          <a:sp3d prstMaterial="plastic"/>
-        </p:spPr>
-        <p:txBody>
-          <a:bodyPr vert="horz" rtlCol="0" anchor="ctr">
-            <a:normAutofit/>
-            <a:scene3d>
-              <a:camera prst="orthographicFront"/>
-              <a:lightRig rig="soft" dir="t"/>
-            </a:scene3d>
-            <a:sp3d prstMaterial="softEdge">
-              <a:bevelT w="25400" h="25400"/>
-            </a:sp3d>
-          </a:bodyPr>
-          <a:lstStyle/>
-          <a:p>
-            <a:pPr marL="0" marR="0" lvl="0" algn="l" defTabSz="914400" rtl="0" eaLnBrk="1" fontAlgn="auto" latinLnBrk="0" hangingPunct="1">
-              <a:lnSpc>
-                <a:spcPct val="100000"/>
-              </a:lnSpc>
-              <a:spcAft>
-                <a:spcPts val="0"/>
-              </a:spcAft>
-              <a:buClrTx/>
-              <a:buSzTx/>
-              <a:buFontTx/>
-              <a:buNone/>
-              <a:defRPr/>
-            </a:pPr>
-            <a:r>
-              <a:rPr kumimoji="0" sz="3600" b="1" i="0" u="none" strike="noStrike" cap="none" spc="0" normalizeH="0" baseline="0" dirty="0" smtClean="0">
-                <a:uLnTx/>
-                <a:uFillTx/>
-                <a:latin typeface="+mj-lt"/>
-                <a:cs typeface="+mj-cs"/>
-              </a:rPr>
-              <a:t>R</a:t>
-            </a:r>
-            <a:r>
-              <a:rPr kumimoji="0" lang="zh-CN" altLang="en-US" sz="3600" b="1" i="0" u="none" strike="noStrike" cap="none" spc="0" normalizeH="0" baseline="0" dirty="0" smtClean="0">
-                <a:uLnTx/>
-                <a:uFillTx/>
-                <a:latin typeface="+mj-lt"/>
-                <a:cs typeface="+mj-cs"/>
-              </a:rPr>
-              <a:t>的下载和安装</a:t>
-            </a:r>
-            <a:endParaRPr kumimoji="0" lang="zh-CN" altLang="en-US" sz="3600" b="1" i="0" u="none" strike="noStrike" cap="none" spc="0" normalizeH="0" baseline="0" dirty="0" smtClean="0">
-              <a:uLnTx/>
-              <a:uFillTx/>
-              <a:latin typeface="+mj-lt"/>
-              <a:cs typeface="+mj-cs"/>
-            </a:endParaRPr>
-          </a:p>
-        </p:txBody>
-      </p:sp>
-    </p:spTree>
-  </p:cSld>
-  <p:clrMapOvr>
-    <a:masterClrMapping/>
-  </p:clrMapOvr>
-  <p:transition spd="slow">
-    <p:pull dir="ru"/>
-  </p:transition>
-</p:sld>
-</file>
-
-<file path=ppt/slides/slide11.xml><?xml version="1.0" encoding="utf-8"?>
-<p:sld xmlns:a="http://schemas.openxmlformats.org/drawingml/2006/main" xmlns:r="http://schemas.openxmlformats.org/officeDocument/2006/relationships" xmlns:p="http://schemas.openxmlformats.org/presentationml/2006/main">
-  <p:cSld>
-    <p:spTree>
-      <p:nvGrpSpPr>
-        <p:cNvPr id="1" name=""/>
-        <p:cNvGrpSpPr/>
-        <p:nvPr/>
-      </p:nvGrpSpPr>
-      <p:grpSpPr/>
-      <p:sp>
-        <p:nvSpPr>
-          <p:cNvPr id="16386" name="灯片编号占位符 3"/>
-          <p:cNvSpPr txBox="1">
-            <a:spLocks noGrp="1"/>
-          </p:cNvSpPr>
-          <p:nvPr>
-            <p:ph type="sldNum" sz="quarter" idx="12"/>
-          </p:nvPr>
-        </p:nvSpPr>
-        <p:spPr>
-          <a:xfrm>
-            <a:off x="8647113" y="6408738"/>
-            <a:ext cx="366712" cy="365125"/>
-          </a:xfrm>
-          <a:noFill/>
-          <a:ln>
-            <a:noFill/>
-          </a:ln>
-        </p:spPr>
-        <p:txBody>
-          <a:bodyPr anchor="b"/>
-          <a:p>
-            <a:pPr marL="0" indent="0" algn="r" eaLnBrk="1" hangingPunct="1">
-              <a:spcBef>
-                <a:spcPct val="0"/>
-              </a:spcBef>
-              <a:buClr>
-                <a:srgbClr val="000000"/>
-              </a:buClr>
-              <a:buNone/>
-            </a:pPr>
-            <a:fld id="{9A0DB2DC-4C9A-4742-B13C-FB6460FD3503}" type="slidenum">
-              <a:rPr lang="en-US" altLang="zh-CN" sz="1000" dirty="0">
-                <a:latin typeface="Arial" panose="020B0604020202020204" pitchFamily="34" charset="0"/>
-                <a:ea typeface="宋体" panose="02010600030101010101" pitchFamily="2" charset="-122"/>
-              </a:rPr>
-            </a:fld>
-            <a:endParaRPr lang="en-US" altLang="zh-CN" sz="1000" dirty="0">
-              <a:latin typeface="Arial" panose="020B0604020202020204" pitchFamily="34" charset="0"/>
-              <a:ea typeface="宋体" panose="02010600030101010101" pitchFamily="2" charset="-122"/>
-            </a:endParaRPr>
-          </a:p>
-        </p:txBody>
-      </p:sp>
-      <p:sp>
-        <p:nvSpPr>
-          <p:cNvPr id="205826" name="Rectangle 2"/>
-          <p:cNvSpPr>
-            <a:spLocks noGrp="1" noChangeArrowheads="1"/>
-          </p:cNvSpPr>
-          <p:nvPr>
-            <p:ph type="title"/>
-          </p:nvPr>
-        </p:nvSpPr>
-        <p:spPr>
-          <a:noFill/>
-          <a:ln>
-            <a:noFill/>
-          </a:ln>
-          <a:effectLst/>
-          <a:sp3d prstMaterial="plastic"/>
-        </p:spPr>
-        <p:txBody>
-          <a:bodyPr vert="horz" rtlCol="0" anchor="ctr">
-            <a:normAutofit/>
-            <a:scene3d>
-              <a:camera prst="orthographicFront"/>
-              <a:lightRig rig="soft" dir="t"/>
-            </a:scene3d>
-            <a:sp3d prstMaterial="softEdge">
-              <a:bevelT w="25400" h="25400"/>
-            </a:sp3d>
-          </a:bodyPr>
-          <a:lstStyle/>
-          <a:p>
-            <a:pPr marL="0" marR="0" lvl="0" algn="l" defTabSz="914400" rtl="0" eaLnBrk="1" fontAlgn="auto" latinLnBrk="0" hangingPunct="1">
-              <a:lnSpc>
-                <a:spcPct val="100000"/>
-              </a:lnSpc>
-              <a:spcAft>
-                <a:spcPts val="0"/>
-              </a:spcAft>
-              <a:buClrTx/>
-              <a:buSzTx/>
-              <a:buFontTx/>
-              <a:buNone/>
-              <a:defRPr/>
-            </a:pPr>
-            <a:r>
-              <a:rPr kumimoji="0" sz="3600" b="1" i="0" u="none" strike="noStrike" cap="none" spc="0" normalizeH="0" baseline="0" dirty="0" smtClean="0">
-                <a:uLnTx/>
-                <a:uFillTx/>
-                <a:latin typeface="+mj-lt"/>
-                <a:cs typeface="+mj-cs"/>
-              </a:rPr>
-              <a:t>R</a:t>
-            </a:r>
-            <a:r>
-              <a:rPr kumimoji="0" lang="zh-CN" altLang="en-US" sz="3600" b="1" i="0" u="none" strike="noStrike" cap="none" spc="0" normalizeH="0" baseline="0" dirty="0" smtClean="0">
-                <a:uLnTx/>
-                <a:uFillTx/>
-                <a:latin typeface="+mj-lt"/>
-                <a:cs typeface="+mj-cs"/>
-              </a:rPr>
-              <a:t>的下载和安装</a:t>
-            </a:r>
-            <a:endParaRPr kumimoji="0" lang="zh-CN" altLang="en-US" sz="3600" b="1" i="0" u="none" strike="noStrike" cap="none" spc="0" normalizeH="0" baseline="0" dirty="0" smtClean="0">
-              <a:uLnTx/>
-              <a:uFillTx/>
-              <a:latin typeface="+mj-lt"/>
-              <a:cs typeface="+mj-cs"/>
-            </a:endParaRPr>
           </a:p>
         </p:txBody>
       </p:sp>
       <p:pic>
         <p:nvPicPr>
-          <p:cNvPr id="16388" name="Picture 4"/>
+          <p:cNvPr id="4" name="内容占位符 3"/>
           <p:cNvPicPr>
-            <a:picLocks noGrp="1" noChangeAspect="1"/>
+            <a:picLocks noChangeAspect="1"/>
           </p:cNvPicPr>
           <p:nvPr>
             <p:ph idx="1"/>
@@ -9776,17 +7986,18 @@
         </p:nvPicPr>
         <p:blipFill>
           <a:blip r:embed="rId1"/>
-          <a:srcRect/>
           <a:stretch>
             <a:fillRect/>
           </a:stretch>
         </p:blipFill>
         <p:spPr>
           <a:xfrm>
-            <a:off x="468313" y="1268413"/>
-            <a:ext cx="8229600" cy="3683000"/>
+            <a:off x="647700" y="1268730"/>
+            <a:ext cx="4174490" cy="4588510"/>
           </a:xfrm>
-          <a:ln w="12700"/>
+          <a:prstGeom prst="rect">
+            <a:avLst/>
+          </a:prstGeom>
         </p:spPr>
       </p:pic>
     </p:spTree>
@@ -9794,13 +8005,10 @@
   <p:clrMapOvr>
     <a:masterClrMapping/>
   </p:clrMapOvr>
-  <p:transition spd="slow">
-    <p:pull dir="ru"/>
-  </p:transition>
 </p:sld>
 </file>
 
-<file path=ppt/slides/slide12.xml><?xml version="1.0" encoding="utf-8"?>
+<file path=ppt/slides/slide10.xml><?xml version="1.0" encoding="utf-8"?>
 <p:sld xmlns:a="http://schemas.openxmlformats.org/drawingml/2006/main" xmlns:r="http://schemas.openxmlformats.org/officeDocument/2006/relationships" xmlns:p="http://schemas.openxmlformats.org/presentationml/2006/main">
   <p:cSld>
     <p:spTree>
@@ -9962,7 +8170,7 @@
 </p:sld>
 </file>
 
-<file path=ppt/slides/slide13.xml><?xml version="1.0" encoding="utf-8"?>
+<file path=ppt/slides/slide11.xml><?xml version="1.0" encoding="utf-8"?>
 <p:sld xmlns:a="http://schemas.openxmlformats.org/drawingml/2006/main" xmlns:r="http://schemas.openxmlformats.org/officeDocument/2006/relationships" xmlns:p="http://schemas.openxmlformats.org/presentationml/2006/main">
   <p:cSld>
     <p:bg bwMode="auto">
@@ -10135,7 +8343,7 @@
 </p:sld>
 </file>
 
-<file path=ppt/slides/slide14.xml><?xml version="1.0" encoding="utf-8"?>
+<file path=ppt/slides/slide12.xml><?xml version="1.0" encoding="utf-8"?>
 <p:sld xmlns:a="http://schemas.openxmlformats.org/drawingml/2006/main" xmlns:r="http://schemas.openxmlformats.org/officeDocument/2006/relationships" xmlns:p="http://schemas.openxmlformats.org/presentationml/2006/main">
   <p:cSld>
     <p:spTree>
@@ -10300,7 +8508,7 @@
 </p:sld>
 </file>
 
-<file path=ppt/slides/slide15.xml><?xml version="1.0" encoding="utf-8"?>
+<file path=ppt/slides/slide13.xml><?xml version="1.0" encoding="utf-8"?>
 <p:sld xmlns:a="http://schemas.openxmlformats.org/drawingml/2006/main" xmlns:r="http://schemas.openxmlformats.org/officeDocument/2006/relationships" xmlns:p="http://schemas.openxmlformats.org/presentationml/2006/main">
   <p:cSld>
     <p:spTree>
@@ -10622,7 +8830,7 @@
 </p:sld>
 </file>
 
-<file path=ppt/slides/slide16.xml><?xml version="1.0" encoding="utf-8"?>
+<file path=ppt/slides/slide14.xml><?xml version="1.0" encoding="utf-8"?>
 <p:sld xmlns:a="http://schemas.openxmlformats.org/drawingml/2006/main" xmlns:r="http://schemas.openxmlformats.org/officeDocument/2006/relationships" xmlns:p="http://schemas.openxmlformats.org/presentationml/2006/main">
   <p:cSld>
     <p:spTree>
@@ -10961,7 +9169,7 @@
 </p:sld>
 </file>
 
-<file path=ppt/slides/slide17.xml><?xml version="1.0" encoding="utf-8"?>
+<file path=ppt/slides/slide15.xml><?xml version="1.0" encoding="utf-8"?>
 <p:sld xmlns:a="http://schemas.openxmlformats.org/drawingml/2006/main" xmlns:r="http://schemas.openxmlformats.org/officeDocument/2006/relationships" xmlns:p="http://schemas.openxmlformats.org/presentationml/2006/main">
   <p:cSld>
     <p:spTree>
@@ -11156,7 +9364,7 @@
 </p:sld>
 </file>
 
-<file path=ppt/slides/slide18.xml><?xml version="1.0" encoding="utf-8"?>
+<file path=ppt/slides/slide16.xml><?xml version="1.0" encoding="utf-8"?>
 <p:sld xmlns:a="http://schemas.openxmlformats.org/drawingml/2006/main" xmlns:r="http://schemas.openxmlformats.org/officeDocument/2006/relationships" xmlns:p="http://schemas.openxmlformats.org/presentationml/2006/main">
   <p:cSld>
     <p:spTree>
@@ -11419,7 +9627,7 @@
 </p:sld>
 </file>
 
-<file path=ppt/slides/slide19.xml><?xml version="1.0" encoding="utf-8"?>
+<file path=ppt/slides/slide17.xml><?xml version="1.0" encoding="utf-8"?>
 <p:sld xmlns:a="http://schemas.openxmlformats.org/drawingml/2006/main" xmlns:r="http://schemas.openxmlformats.org/officeDocument/2006/relationships" xmlns:p="http://schemas.openxmlformats.org/presentationml/2006/main">
   <p:cSld>
     <p:spTree>
@@ -11782,67 +9990,7 @@
 </p:sld>
 </file>
 
-<file path=ppt/slides/slide2.xml><?xml version="1.0" encoding="utf-8"?>
-<p:sld xmlns:a="http://schemas.openxmlformats.org/drawingml/2006/main" xmlns:r="http://schemas.openxmlformats.org/officeDocument/2006/relationships" xmlns:p="http://schemas.openxmlformats.org/presentationml/2006/main">
-  <p:cSld>
-    <p:spTree>
-      <p:nvGrpSpPr>
-        <p:cNvPr id="1" name=""/>
-        <p:cNvGrpSpPr/>
-        <p:nvPr/>
-      </p:nvGrpSpPr>
-      <p:grpSpPr/>
-      <p:sp>
-        <p:nvSpPr>
-          <p:cNvPr id="2" name="标题 1"/>
-          <p:cNvSpPr>
-            <a:spLocks noGrp="1"/>
-          </p:cNvSpPr>
-          <p:nvPr>
-            <p:ph type="title"/>
-          </p:nvPr>
-        </p:nvSpPr>
-        <p:spPr/>
-        <p:txBody>
-          <a:bodyPr/>
-          <a:p>
-            <a:r>
-              <a:rPr lang="en-US" altLang="zh-CN"/>
-              <a:t>R</a:t>
-            </a:r>
-            <a:r>
-              <a:t>语言与统计分析</a:t>
-            </a:r>
-          </a:p>
-        </p:txBody>
-      </p:sp>
-      <p:graphicFrame>
-        <p:nvGraphicFramePr>
-          <p:cNvPr id="4" name="内容占位符 3"/>
-          <p:cNvGraphicFramePr/>
-          <p:nvPr>
-            <p:ph idx="1"/>
-          </p:nvPr>
-        </p:nvGraphicFramePr>
-        <p:xfrm>
-          <a:off x="457200" y="1160748"/>
-          <a:ext cx="8229600" cy="4965415"/>
-        </p:xfrm>
-        <a:graphic>
-          <a:graphicData uri="http://schemas.openxmlformats.org/drawingml/2006/chart">
-            <c:chart xmlns:c="http://schemas.openxmlformats.org/drawingml/2006/chart" xmlns:r="http://schemas.openxmlformats.org/officeDocument/2006/relationships" r:id="rId1"/>
-          </a:graphicData>
-        </a:graphic>
-      </p:graphicFrame>
-    </p:spTree>
-  </p:cSld>
-  <p:clrMapOvr>
-    <a:masterClrMapping/>
-  </p:clrMapOvr>
-</p:sld>
-</file>
-
-<file path=ppt/slides/slide20.xml><?xml version="1.0" encoding="utf-8"?>
+<file path=ppt/slides/slide18.xml><?xml version="1.0" encoding="utf-8"?>
 <p:sld xmlns:a="http://schemas.openxmlformats.org/drawingml/2006/main" xmlns:r="http://schemas.openxmlformats.org/officeDocument/2006/relationships" xmlns:p="http://schemas.openxmlformats.org/presentationml/2006/main">
   <p:cSld>
     <p:spTree>
@@ -12159,7 +10307,7 @@
 </p:sld>
 </file>
 
-<file path=ppt/slides/slide21.xml><?xml version="1.0" encoding="utf-8"?>
+<file path=ppt/slides/slide19.xml><?xml version="1.0" encoding="utf-8"?>
 <p:sld xmlns:a="http://schemas.openxmlformats.org/drawingml/2006/main" xmlns:r="http://schemas.openxmlformats.org/officeDocument/2006/relationships" xmlns:p="http://schemas.openxmlformats.org/presentationml/2006/main">
   <p:cSld>
     <p:spTree>
@@ -12415,7 +10563,191 @@
 </p:sld>
 </file>
 
-<file path=ppt/slides/slide22.xml><?xml version="1.0" encoding="utf-8"?>
+<file path=ppt/slides/slide2.xml><?xml version="1.0" encoding="utf-8"?>
+<p:sld xmlns:a="http://schemas.openxmlformats.org/drawingml/2006/main" xmlns:r="http://schemas.openxmlformats.org/officeDocument/2006/relationships" xmlns:p="http://schemas.openxmlformats.org/presentationml/2006/main">
+  <p:cSld>
+    <p:spTree>
+      <p:nvGrpSpPr>
+        <p:cNvPr id="1" name=""/>
+        <p:cNvGrpSpPr/>
+        <p:nvPr/>
+      </p:nvGrpSpPr>
+      <p:grpSpPr>
+        <a:xfrm>
+          <a:off x="0" y="0"/>
+          <a:ext cx="0" cy="0"/>
+          <a:chOff x="0" y="0"/>
+          <a:chExt cx="0" cy="0"/>
+        </a:xfrm>
+      </p:grpSpPr>
+      <p:sp>
+        <p:nvSpPr>
+          <p:cNvPr id="4099" name="标题 1"/>
+          <p:cNvSpPr>
+            <a:spLocks noGrp="1" noChangeArrowheads="1"/>
+          </p:cNvSpPr>
+          <p:nvPr>
+            <p:ph type="ctrTitle"/>
+          </p:nvPr>
+        </p:nvSpPr>
+        <p:spPr bwMode="auto">
+          <a:prstGeom prst="rect">
+            <a:avLst/>
+          </a:prstGeom>
+          <a:noFill/>
+          <a:extLst>
+            <a:ext uri="{909E8E84-426E-40DD-AFC4-6F175D3DCCD1}">
+              <a14:hiddenFill xmlns:a14="http://schemas.microsoft.com/office/drawing/2010/main">
+                <a:solidFill>
+                  <a:srgbClr val="FFFFFF"/>
+                </a:solidFill>
+              </a14:hiddenFill>
+            </a:ext>
+            <a:ext uri="{91240B29-F687-4F45-9708-019B960494DF}">
+              <a14:hiddenLine xmlns:a14="http://schemas.microsoft.com/office/drawing/2010/main" w="9525">
+                <a:solidFill>
+                  <a:srgbClr val="000000"/>
+                </a:solidFill>
+                <a:miter lim="800000"/>
+                <a:headEnd/>
+                <a:tailEnd/>
+              </a14:hiddenLine>
+            </a:ext>
+          </a:extLst>
+        </p:spPr>
+        <p:txBody>
+          <a:bodyPr/>
+          <a:lstStyle/>
+          <a:p>
+            <a:pPr eaLnBrk="1" hangingPunct="1"/>
+            <a:r>
+              <a:rPr lang="zh-CN" altLang="en-US" b="1">
+                <a:solidFill>
+                  <a:srgbClr val="A50021"/>
+                </a:solidFill>
+                <a:latin typeface="华文新魏" pitchFamily="2" charset="-122"/>
+                <a:ea typeface="华文新魏" pitchFamily="2" charset="-122"/>
+              </a:rPr>
+              <a:t>第</a:t>
+            </a:r>
+            <a:r>
+              <a:rPr lang="en-US" altLang="zh-CN" b="1">
+                <a:solidFill>
+                  <a:srgbClr val="A50021"/>
+                </a:solidFill>
+                <a:latin typeface="华文新魏" pitchFamily="2" charset="-122"/>
+                <a:ea typeface="华文新魏" pitchFamily="2" charset="-122"/>
+              </a:rPr>
+              <a:t>1</a:t>
+            </a:r>
+            <a:r>
+              <a:rPr lang="zh-CN" altLang="en-US" b="1" smtClean="0">
+                <a:solidFill>
+                  <a:srgbClr val="A50021"/>
+                </a:solidFill>
+                <a:latin typeface="华文新魏" pitchFamily="2" charset="-122"/>
+                <a:ea typeface="华文新魏" pitchFamily="2" charset="-122"/>
+              </a:rPr>
+              <a:t>章 </a:t>
+            </a:r>
+            <a:r>
+              <a:rPr lang="en-US" altLang="zh-CN" b="1" smtClean="0">
+                <a:solidFill>
+                  <a:srgbClr val="A50021"/>
+                </a:solidFill>
+                <a:latin typeface="华文新魏" pitchFamily="2" charset="-122"/>
+                <a:ea typeface="华文新魏" pitchFamily="2" charset="-122"/>
+              </a:rPr>
+              <a:t>R</a:t>
+            </a:r>
+            <a:r>
+              <a:rPr b="1" smtClean="0">
+                <a:solidFill>
+                  <a:srgbClr val="A50021"/>
+                </a:solidFill>
+                <a:latin typeface="华文新魏" pitchFamily="2" charset="-122"/>
+                <a:ea typeface="华文新魏" pitchFamily="2" charset="-122"/>
+              </a:rPr>
+              <a:t>简介</a:t>
+            </a:r>
+            <a:endParaRPr sz="4800" b="1" dirty="0" smtClean="0">
+              <a:solidFill>
+                <a:srgbClr val="A50021"/>
+              </a:solidFill>
+              <a:latin typeface="华文新魏" pitchFamily="2" charset="-122"/>
+              <a:ea typeface="华文新魏" pitchFamily="2" charset="-122"/>
+            </a:endParaRPr>
+          </a:p>
+        </p:txBody>
+      </p:sp>
+      <p:sp>
+        <p:nvSpPr>
+          <p:cNvPr id="4100" name="副标题 2"/>
+          <p:cNvSpPr>
+            <a:spLocks noGrp="1" noChangeArrowheads="1"/>
+          </p:cNvSpPr>
+          <p:nvPr>
+            <p:ph type="subTitle" idx="1"/>
+          </p:nvPr>
+        </p:nvSpPr>
+        <p:spPr bwMode="auto">
+          <a:prstGeom prst="rect">
+            <a:avLst/>
+          </a:prstGeom>
+          <a:noFill/>
+          <a:extLst>
+            <a:ext uri="{909E8E84-426E-40DD-AFC4-6F175D3DCCD1}">
+              <a14:hiddenFill xmlns:a14="http://schemas.microsoft.com/office/drawing/2010/main">
+                <a:solidFill>
+                  <a:srgbClr val="FFFFFF"/>
+                </a:solidFill>
+              </a14:hiddenFill>
+            </a:ext>
+            <a:ext uri="{91240B29-F687-4F45-9708-019B960494DF}">
+              <a14:hiddenLine xmlns:a14="http://schemas.microsoft.com/office/drawing/2010/main" w="9525">
+                <a:solidFill>
+                  <a:srgbClr val="000000"/>
+                </a:solidFill>
+                <a:miter lim="800000"/>
+                <a:headEnd/>
+                <a:tailEnd/>
+              </a14:hiddenLine>
+            </a:ext>
+          </a:extLst>
+        </p:spPr>
+        <p:txBody>
+          <a:bodyPr/>
+          <a:lstStyle/>
+          <a:p>
+            <a:pPr marL="0" indent="0" algn="ctr" eaLnBrk="1" hangingPunct="1">
+              <a:spcBef>
+                <a:spcPct val="0"/>
+              </a:spcBef>
+              <a:buFont typeface="Arial" panose="020B0604020202020204" pitchFamily="34" charset="0"/>
+              <a:buNone/>
+            </a:pPr>
+            <a:r>
+              <a:rPr lang="zh-CN" altLang="en-US" dirty="0" smtClean="0">
+                <a:ea typeface="宋体" panose="02010600030101010101" pitchFamily="2" charset="-122"/>
+              </a:rPr>
+              <a:t>孙丽萍</a:t>
+            </a:r>
+            <a:endParaRPr lang="zh-CN" altLang="en-US" dirty="0" smtClean="0">
+              <a:ea typeface="宋体" panose="02010600030101010101" pitchFamily="2" charset="-122"/>
+            </a:endParaRPr>
+          </a:p>
+        </p:txBody>
+      </p:sp>
+    </p:spTree>
+  </p:cSld>
+  <p:clrMapOvr>
+    <a:masterClrMapping/>
+  </p:clrMapOvr>
+  <p:transition spd="slow" advTm="12753"/>
+</p:sld>
+</file>
+
+<file path=ppt/slides/slide20.xml><?xml version="1.0" encoding="utf-8"?>
 <p:sld xmlns:a="http://schemas.openxmlformats.org/drawingml/2006/main" xmlns:r="http://schemas.openxmlformats.org/officeDocument/2006/relationships" xmlns:p="http://schemas.openxmlformats.org/presentationml/2006/main">
   <p:cSld>
     <p:spTree>
@@ -12577,7 +10909,7 @@
 </p:sld>
 </file>
 
-<file path=ppt/slides/slide23.xml><?xml version="1.0" encoding="utf-8"?>
+<file path=ppt/slides/slide21.xml><?xml version="1.0" encoding="utf-8"?>
 <p:sld xmlns:a="http://schemas.openxmlformats.org/drawingml/2006/main" xmlns:r="http://schemas.openxmlformats.org/officeDocument/2006/relationships" xmlns:p="http://schemas.openxmlformats.org/presentationml/2006/main">
   <p:cSld>
     <p:bg bwMode="auto">
@@ -12827,7 +11159,7 @@
 </p:sld>
 </file>
 
-<file path=ppt/slides/slide24.xml><?xml version="1.0" encoding="utf-8"?>
+<file path=ppt/slides/slide22.xml><?xml version="1.0" encoding="utf-8"?>
 <p:sld xmlns:a="http://schemas.openxmlformats.org/drawingml/2006/main" xmlns:r="http://schemas.openxmlformats.org/officeDocument/2006/relationships" xmlns:p="http://schemas.openxmlformats.org/presentationml/2006/main">
   <p:cSld>
     <p:spTree>
@@ -13103,7 +11435,7 @@
 </p:sld>
 </file>
 
-<file path=ppt/slides/slide25.xml><?xml version="1.0" encoding="utf-8"?>
+<file path=ppt/slides/slide23.xml><?xml version="1.0" encoding="utf-8"?>
 <p:sld xmlns:a="http://schemas.openxmlformats.org/drawingml/2006/main" xmlns:r="http://schemas.openxmlformats.org/officeDocument/2006/relationships" xmlns:p="http://schemas.openxmlformats.org/presentationml/2006/main">
   <p:cSld>
     <p:spTree>
@@ -13310,7 +11642,7 @@
 </p:sld>
 </file>
 
-<file path=ppt/slides/slide26.xml><?xml version="1.0" encoding="utf-8"?>
+<file path=ppt/slides/slide24.xml><?xml version="1.0" encoding="utf-8"?>
 <p:sld xmlns:a="http://schemas.openxmlformats.org/drawingml/2006/main" xmlns:r="http://schemas.openxmlformats.org/officeDocument/2006/relationships" xmlns:p="http://schemas.openxmlformats.org/presentationml/2006/main">
   <p:cSld>
     <p:spTree>
@@ -13533,256 +11865,6 @@
 </file>
 
 <file path=ppt/slides/slide3.xml><?xml version="1.0" encoding="utf-8"?>
-<p:sld xmlns:a="http://schemas.openxmlformats.org/drawingml/2006/main" xmlns:r="http://schemas.openxmlformats.org/officeDocument/2006/relationships" xmlns:p="http://schemas.openxmlformats.org/presentationml/2006/main">
-  <p:cSld>
-    <p:spTree>
-      <p:nvGrpSpPr>
-        <p:cNvPr id="1" name=""/>
-        <p:cNvGrpSpPr/>
-        <p:nvPr/>
-      </p:nvGrpSpPr>
-      <p:grpSpPr/>
-      <p:sp>
-        <p:nvSpPr>
-          <p:cNvPr id="2" name="标题 1"/>
-          <p:cNvSpPr>
-            <a:spLocks noGrp="1"/>
-          </p:cNvSpPr>
-          <p:nvPr>
-            <p:ph type="title"/>
-          </p:nvPr>
-        </p:nvSpPr>
-        <p:spPr/>
-        <p:txBody>
-          <a:bodyPr/>
-          <a:p>
-            <a:r>
-              <a:rPr lang="zh-CN" altLang="en-US"/>
-              <a:t>课程内容</a:t>
-            </a:r>
-            <a:endParaRPr lang="zh-CN" altLang="en-US"/>
-          </a:p>
-        </p:txBody>
-      </p:sp>
-      <p:pic>
-        <p:nvPicPr>
-          <p:cNvPr id="4" name="内容占位符 3"/>
-          <p:cNvPicPr>
-            <a:picLocks noChangeAspect="1"/>
-          </p:cNvPicPr>
-          <p:nvPr>
-            <p:ph idx="1"/>
-          </p:nvPr>
-        </p:nvPicPr>
-        <p:blipFill>
-          <a:blip r:embed="rId1"/>
-          <a:stretch>
-            <a:fillRect/>
-          </a:stretch>
-        </p:blipFill>
-        <p:spPr>
-          <a:xfrm>
-            <a:off x="647700" y="1268730"/>
-            <a:ext cx="4174490" cy="4588510"/>
-          </a:xfrm>
-          <a:prstGeom prst="rect">
-            <a:avLst/>
-          </a:prstGeom>
-        </p:spPr>
-      </p:pic>
-    </p:spTree>
-  </p:cSld>
-  <p:clrMapOvr>
-    <a:masterClrMapping/>
-  </p:clrMapOvr>
-</p:sld>
-</file>
-
-<file path=ppt/slides/slide4.xml><?xml version="1.0" encoding="utf-8"?>
-<p:sld xmlns:a="http://schemas.openxmlformats.org/drawingml/2006/main" xmlns:r="http://schemas.openxmlformats.org/officeDocument/2006/relationships" xmlns:p="http://schemas.openxmlformats.org/presentationml/2006/main">
-  <p:cSld>
-    <p:spTree>
-      <p:nvGrpSpPr>
-        <p:cNvPr id="1" name=""/>
-        <p:cNvGrpSpPr/>
-        <p:nvPr/>
-      </p:nvGrpSpPr>
-      <p:grpSpPr>
-        <a:xfrm>
-          <a:off x="0" y="0"/>
-          <a:ext cx="0" cy="0"/>
-          <a:chOff x="0" y="0"/>
-          <a:chExt cx="0" cy="0"/>
-        </a:xfrm>
-      </p:grpSpPr>
-      <p:sp>
-        <p:nvSpPr>
-          <p:cNvPr id="4099" name="标题 1"/>
-          <p:cNvSpPr>
-            <a:spLocks noGrp="1" noChangeArrowheads="1"/>
-          </p:cNvSpPr>
-          <p:nvPr>
-            <p:ph type="ctrTitle"/>
-          </p:nvPr>
-        </p:nvSpPr>
-        <p:spPr bwMode="auto">
-          <a:prstGeom prst="rect">
-            <a:avLst/>
-          </a:prstGeom>
-          <a:noFill/>
-          <a:extLst>
-            <a:ext uri="{909E8E84-426E-40DD-AFC4-6F175D3DCCD1}">
-              <a14:hiddenFill xmlns:a14="http://schemas.microsoft.com/office/drawing/2010/main">
-                <a:solidFill>
-                  <a:srgbClr val="FFFFFF"/>
-                </a:solidFill>
-              </a14:hiddenFill>
-            </a:ext>
-            <a:ext uri="{91240B29-F687-4F45-9708-019B960494DF}">
-              <a14:hiddenLine xmlns:a14="http://schemas.microsoft.com/office/drawing/2010/main" w="9525">
-                <a:solidFill>
-                  <a:srgbClr val="000000"/>
-                </a:solidFill>
-                <a:miter lim="800000"/>
-                <a:headEnd/>
-                <a:tailEnd/>
-              </a14:hiddenLine>
-            </a:ext>
-          </a:extLst>
-        </p:spPr>
-        <p:txBody>
-          <a:bodyPr/>
-          <a:lstStyle/>
-          <a:p>
-            <a:pPr eaLnBrk="1" hangingPunct="1"/>
-            <a:r>
-              <a:rPr lang="zh-CN" altLang="en-US" b="1">
-                <a:solidFill>
-                  <a:srgbClr val="A50021"/>
-                </a:solidFill>
-                <a:latin typeface="华文新魏" pitchFamily="2" charset="-122"/>
-                <a:ea typeface="华文新魏" pitchFamily="2" charset="-122"/>
-              </a:rPr>
-              <a:t>第</a:t>
-            </a:r>
-            <a:r>
-              <a:rPr lang="en-US" altLang="zh-CN" b="1">
-                <a:solidFill>
-                  <a:srgbClr val="A50021"/>
-                </a:solidFill>
-                <a:latin typeface="华文新魏" pitchFamily="2" charset="-122"/>
-                <a:ea typeface="华文新魏" pitchFamily="2" charset="-122"/>
-              </a:rPr>
-              <a:t>1</a:t>
-            </a:r>
-            <a:r>
-              <a:rPr lang="zh-CN" altLang="en-US" b="1" smtClean="0">
-                <a:solidFill>
-                  <a:srgbClr val="A50021"/>
-                </a:solidFill>
-                <a:latin typeface="华文新魏" pitchFamily="2" charset="-122"/>
-                <a:ea typeface="华文新魏" pitchFamily="2" charset="-122"/>
-              </a:rPr>
-              <a:t>章 </a:t>
-            </a:r>
-            <a:r>
-              <a:rPr lang="en-US" altLang="zh-CN" b="1" smtClean="0">
-                <a:solidFill>
-                  <a:srgbClr val="A50021"/>
-                </a:solidFill>
-                <a:latin typeface="华文新魏" pitchFamily="2" charset="-122"/>
-                <a:ea typeface="华文新魏" pitchFamily="2" charset="-122"/>
-              </a:rPr>
-              <a:t>R</a:t>
-            </a:r>
-            <a:r>
-              <a:rPr b="1" smtClean="0">
-                <a:solidFill>
-                  <a:srgbClr val="A50021"/>
-                </a:solidFill>
-                <a:latin typeface="华文新魏" pitchFamily="2" charset="-122"/>
-                <a:ea typeface="华文新魏" pitchFamily="2" charset="-122"/>
-              </a:rPr>
-              <a:t>简介</a:t>
-            </a:r>
-            <a:endParaRPr sz="4800" b="1" dirty="0" smtClean="0">
-              <a:solidFill>
-                <a:srgbClr val="A50021"/>
-              </a:solidFill>
-              <a:latin typeface="华文新魏" pitchFamily="2" charset="-122"/>
-              <a:ea typeface="华文新魏" pitchFamily="2" charset="-122"/>
-            </a:endParaRPr>
-          </a:p>
-        </p:txBody>
-      </p:sp>
-      <p:sp>
-        <p:nvSpPr>
-          <p:cNvPr id="4100" name="副标题 2"/>
-          <p:cNvSpPr>
-            <a:spLocks noGrp="1" noChangeArrowheads="1"/>
-          </p:cNvSpPr>
-          <p:nvPr>
-            <p:ph type="subTitle" idx="1"/>
-          </p:nvPr>
-        </p:nvSpPr>
-        <p:spPr bwMode="auto">
-          <a:prstGeom prst="rect">
-            <a:avLst/>
-          </a:prstGeom>
-          <a:noFill/>
-          <a:extLst>
-            <a:ext uri="{909E8E84-426E-40DD-AFC4-6F175D3DCCD1}">
-              <a14:hiddenFill xmlns:a14="http://schemas.microsoft.com/office/drawing/2010/main">
-                <a:solidFill>
-                  <a:srgbClr val="FFFFFF"/>
-                </a:solidFill>
-              </a14:hiddenFill>
-            </a:ext>
-            <a:ext uri="{91240B29-F687-4F45-9708-019B960494DF}">
-              <a14:hiddenLine xmlns:a14="http://schemas.microsoft.com/office/drawing/2010/main" w="9525">
-                <a:solidFill>
-                  <a:srgbClr val="000000"/>
-                </a:solidFill>
-                <a:miter lim="800000"/>
-                <a:headEnd/>
-                <a:tailEnd/>
-              </a14:hiddenLine>
-            </a:ext>
-          </a:extLst>
-        </p:spPr>
-        <p:txBody>
-          <a:bodyPr/>
-          <a:lstStyle/>
-          <a:p>
-            <a:pPr marL="0" indent="0" algn="ctr" eaLnBrk="1" hangingPunct="1">
-              <a:spcBef>
-                <a:spcPct val="0"/>
-              </a:spcBef>
-              <a:buFont typeface="Arial" panose="020B0604020202020204" pitchFamily="34" charset="0"/>
-              <a:buNone/>
-            </a:pPr>
-            <a:r>
-              <a:rPr lang="zh-CN" altLang="en-US" dirty="0" smtClean="0">
-                <a:ea typeface="宋体" panose="02010600030101010101" pitchFamily="2" charset="-122"/>
-              </a:rPr>
-              <a:t>孙丽萍</a:t>
-            </a:r>
-            <a:endParaRPr lang="zh-CN" altLang="en-US" dirty="0" smtClean="0">
-              <a:ea typeface="宋体" panose="02010600030101010101" pitchFamily="2" charset="-122"/>
-            </a:endParaRPr>
-          </a:p>
-        </p:txBody>
-      </p:sp>
-    </p:spTree>
-  </p:cSld>
-  <p:clrMapOvr>
-    <a:masterClrMapping/>
-  </p:clrMapOvr>
-  <p:transition spd="slow" advTm="12753"/>
-</p:sld>
-</file>
-
-<file path=ppt/slides/slide5.xml><?xml version="1.0" encoding="utf-8"?>
 <p:sld xmlns:a="http://schemas.openxmlformats.org/drawingml/2006/main" xmlns:r="http://schemas.openxmlformats.org/officeDocument/2006/relationships" xmlns:p="http://schemas.openxmlformats.org/presentationml/2006/main">
   <p:cSld>
     <p:spTree>
@@ -14145,7 +12227,7 @@
 </p:sld>
 </file>
 
-<file path=ppt/slides/slide6.xml><?xml version="1.0" encoding="utf-8"?>
+<file path=ppt/slides/slide4.xml><?xml version="1.0" encoding="utf-8"?>
 <p:sld xmlns:a="http://schemas.openxmlformats.org/drawingml/2006/main" xmlns:r="http://schemas.openxmlformats.org/officeDocument/2006/relationships" xmlns:p="http://schemas.openxmlformats.org/presentationml/2006/main">
   <p:cSld>
     <p:spTree>
@@ -14741,7 +12823,7 @@
 </p:sld>
 </file>
 
-<file path=ppt/slides/slide7.xml><?xml version="1.0" encoding="utf-8"?>
+<file path=ppt/slides/slide5.xml><?xml version="1.0" encoding="utf-8"?>
 <p:sld xmlns:a="http://schemas.openxmlformats.org/drawingml/2006/main" xmlns:r="http://schemas.openxmlformats.org/officeDocument/2006/relationships" xmlns:p="http://schemas.openxmlformats.org/presentationml/2006/main">
   <p:cSld>
     <p:spTree>
@@ -15076,7 +13158,7 @@
 </p:sld>
 </file>
 
-<file path=ppt/slides/slide8.xml><?xml version="1.0" encoding="utf-8"?>
+<file path=ppt/slides/slide6.xml><?xml version="1.0" encoding="utf-8"?>
 <p:sld xmlns:a="http://schemas.openxmlformats.org/drawingml/2006/main" xmlns:r="http://schemas.openxmlformats.org/officeDocument/2006/relationships" xmlns:p="http://schemas.openxmlformats.org/presentationml/2006/main">
   <p:cSld>
     <p:spTree>
@@ -15310,7 +13392,7 @@
 </p:sld>
 </file>
 
-<file path=ppt/slides/slide9.xml><?xml version="1.0" encoding="utf-8"?>
+<file path=ppt/slides/slide7.xml><?xml version="1.0" encoding="utf-8"?>
 <p:sld xmlns:a="http://schemas.openxmlformats.org/drawingml/2006/main" xmlns:r="http://schemas.openxmlformats.org/officeDocument/2006/relationships" xmlns:p="http://schemas.openxmlformats.org/presentationml/2006/main">
   <p:cSld>
     <p:spTree>
@@ -15670,6 +13752,424 @@
       </p:par>
     </p:tnLst>
   </p:timing>
+</p:sld>
+</file>
+
+<file path=ppt/slides/slide8.xml><?xml version="1.0" encoding="utf-8"?>
+<p:sld xmlns:a="http://schemas.openxmlformats.org/drawingml/2006/main" xmlns:r="http://schemas.openxmlformats.org/officeDocument/2006/relationships" xmlns:p="http://schemas.openxmlformats.org/presentationml/2006/main">
+  <p:cSld>
+    <p:spTree>
+      <p:nvGrpSpPr>
+        <p:cNvPr id="1" name=""/>
+        <p:cNvGrpSpPr/>
+        <p:nvPr/>
+      </p:nvGrpSpPr>
+      <p:grpSpPr/>
+      <p:sp>
+        <p:nvSpPr>
+          <p:cNvPr id="15362" name="Rectangle 3"/>
+          <p:cNvSpPr>
+            <a:spLocks noGrp="1"/>
+          </p:cNvSpPr>
+          <p:nvPr>
+            <p:ph idx="1"/>
+          </p:nvPr>
+        </p:nvSpPr>
+        <p:spPr/>
+        <p:txBody>
+          <a:bodyPr vert="horz" wrap="square" lIns="91440" tIns="45720" rIns="91440" bIns="45720" anchor="t"/>
+          <a:p>
+            <a:pPr>
+              <a:lnSpc>
+                <a:spcPct val="120000"/>
+              </a:lnSpc>
+              <a:spcBef>
+                <a:spcPct val="0"/>
+              </a:spcBef>
+            </a:pPr>
+            <a:r>
+              <a:rPr lang="en-US" altLang="zh-CN" sz="2800" b="1" dirty="0"/>
+              <a:t>R</a:t>
+            </a:r>
+            <a:r>
+              <a:rPr lang="zh-CN" altLang="en-US" sz="2800" b="1" dirty="0"/>
+              <a:t>主页</a:t>
+            </a:r>
+            <a:r>
+              <a:rPr lang="en-US" altLang="zh-CN" sz="2800" b="1" dirty="0"/>
+              <a:t>:  </a:t>
+            </a:r>
+            <a:r>
+              <a:rPr lang="en-US" altLang="zh-CN" sz="2800" dirty="0">
+                <a:solidFill>
+                  <a:srgbClr val="FF0000"/>
+                </a:solidFill>
+              </a:rPr>
+              <a:t>http://www.r-project.org</a:t>
+            </a:r>
+            <a:endParaRPr lang="en-US" altLang="zh-CN" sz="2800" dirty="0">
+              <a:solidFill>
+                <a:srgbClr val="FF0000"/>
+              </a:solidFill>
+            </a:endParaRPr>
+          </a:p>
+          <a:p>
+            <a:pPr>
+              <a:lnSpc>
+                <a:spcPct val="120000"/>
+              </a:lnSpc>
+              <a:spcBef>
+                <a:spcPct val="0"/>
+              </a:spcBef>
+            </a:pPr>
+            <a:r>
+              <a:rPr lang="en-US" altLang="zh-CN" sz="2800" b="1" dirty="0"/>
+              <a:t>CRAN (Comprehensive R Archive Network),</a:t>
+            </a:r>
+            <a:r>
+              <a:rPr lang="en-US" altLang="zh-CN" sz="2800" dirty="0"/>
+              <a:t>   </a:t>
+            </a:r>
+            <a:r>
+              <a:rPr lang="en-US" altLang="zh-CN" sz="2800" dirty="0">
+                <a:solidFill>
+                  <a:srgbClr val="FF0000"/>
+                </a:solidFill>
+              </a:rPr>
+              <a:t>http://cran.r-project.org</a:t>
+            </a:r>
+            <a:endParaRPr lang="en-US" altLang="zh-CN" sz="2800" dirty="0">
+              <a:solidFill>
+                <a:srgbClr val="FF0000"/>
+              </a:solidFill>
+            </a:endParaRPr>
+          </a:p>
+          <a:p>
+            <a:pPr>
+              <a:lnSpc>
+                <a:spcPct val="120000"/>
+              </a:lnSpc>
+              <a:spcBef>
+                <a:spcPct val="0"/>
+              </a:spcBef>
+            </a:pPr>
+            <a:r>
+              <a:rPr lang="en-US" altLang="zh-CN" sz="2800" b="1" dirty="0"/>
+              <a:t>CRAN</a:t>
+            </a:r>
+            <a:r>
+              <a:rPr lang="zh-CN" altLang="en-US" sz="2800" b="1" dirty="0"/>
+              <a:t>的镜像站点</a:t>
+            </a:r>
+            <a:r>
+              <a:rPr lang="zh-CN" altLang="en-US" sz="2800" dirty="0"/>
+              <a:t> </a:t>
+            </a:r>
+            <a:br>
+              <a:rPr lang="zh-CN" altLang="en-US" sz="2800" dirty="0"/>
+            </a:br>
+            <a:r>
+              <a:rPr lang="en-US" altLang="zh-CN" sz="2800" dirty="0">
+                <a:solidFill>
+                  <a:srgbClr val="FF0000"/>
+                </a:solidFill>
+              </a:rPr>
+              <a:t>http://cran.r-project.org/mirrors.html</a:t>
+            </a:r>
+            <a:endParaRPr lang="en-US" altLang="zh-CN" sz="2800" dirty="0">
+              <a:solidFill>
+                <a:srgbClr val="FF0000"/>
+              </a:solidFill>
+            </a:endParaRPr>
+          </a:p>
+        </p:txBody>
+      </p:sp>
+      <p:sp>
+        <p:nvSpPr>
+          <p:cNvPr id="15363" name="灯片编号占位符 3"/>
+          <p:cNvSpPr txBox="1">
+            <a:spLocks noGrp="1"/>
+          </p:cNvSpPr>
+          <p:nvPr>
+            <p:ph type="sldNum" sz="quarter" idx="12"/>
+          </p:nvPr>
+        </p:nvSpPr>
+        <p:spPr>
+          <a:xfrm>
+            <a:off x="8647113" y="6408738"/>
+            <a:ext cx="366712" cy="365125"/>
+          </a:xfrm>
+          <a:noFill/>
+          <a:ln>
+            <a:noFill/>
+          </a:ln>
+        </p:spPr>
+        <p:txBody>
+          <a:bodyPr anchor="b"/>
+          <a:p>
+            <a:pPr marL="0" indent="0" algn="r" eaLnBrk="1" hangingPunct="1">
+              <a:spcBef>
+                <a:spcPct val="0"/>
+              </a:spcBef>
+              <a:buClr>
+                <a:srgbClr val="000000"/>
+              </a:buClr>
+              <a:buNone/>
+            </a:pPr>
+            <a:fld id="{9A0DB2DC-4C9A-4742-B13C-FB6460FD3503}" type="slidenum">
+              <a:rPr lang="en-US" altLang="zh-CN" sz="1000" dirty="0">
+                <a:latin typeface="Arial" panose="020B0604020202020204" pitchFamily="34" charset="0"/>
+                <a:ea typeface="宋体" panose="02010600030101010101" pitchFamily="2" charset="-122"/>
+              </a:rPr>
+            </a:fld>
+            <a:endParaRPr lang="en-US" altLang="zh-CN" sz="1000" dirty="0">
+              <a:latin typeface="Arial" panose="020B0604020202020204" pitchFamily="34" charset="0"/>
+              <a:ea typeface="宋体" panose="02010600030101010101" pitchFamily="2" charset="-122"/>
+            </a:endParaRPr>
+          </a:p>
+        </p:txBody>
+      </p:sp>
+      <p:sp>
+        <p:nvSpPr>
+          <p:cNvPr id="205826" name="Rectangle 2"/>
+          <p:cNvSpPr>
+            <a:spLocks noGrp="1" noChangeArrowheads="1"/>
+          </p:cNvSpPr>
+          <p:nvPr>
+            <p:ph type="title"/>
+          </p:nvPr>
+        </p:nvSpPr>
+        <p:spPr>
+          <a:noFill/>
+          <a:ln>
+            <a:noFill/>
+          </a:ln>
+          <a:effectLst/>
+          <a:sp3d prstMaterial="plastic"/>
+        </p:spPr>
+        <p:txBody>
+          <a:bodyPr vert="horz" rtlCol="0" anchor="ctr">
+            <a:normAutofit/>
+            <a:scene3d>
+              <a:camera prst="orthographicFront"/>
+              <a:lightRig rig="soft" dir="t"/>
+            </a:scene3d>
+            <a:sp3d prstMaterial="softEdge">
+              <a:bevelT w="25400" h="25400"/>
+            </a:sp3d>
+          </a:bodyPr>
+          <a:lstStyle/>
+          <a:p>
+            <a:pPr marL="0" marR="0" lvl="0" algn="l" defTabSz="914400" rtl="0" eaLnBrk="1" fontAlgn="auto" latinLnBrk="0" hangingPunct="1">
+              <a:lnSpc>
+                <a:spcPct val="100000"/>
+              </a:lnSpc>
+              <a:spcAft>
+                <a:spcPts val="0"/>
+              </a:spcAft>
+              <a:buClrTx/>
+              <a:buSzTx/>
+              <a:buFontTx/>
+              <a:buNone/>
+              <a:defRPr/>
+            </a:pPr>
+            <a:r>
+              <a:rPr kumimoji="0" sz="3600" b="1" i="0" u="none" strike="noStrike" cap="none" spc="0" normalizeH="0" baseline="0" dirty="0" smtClean="0">
+                <a:uLnTx/>
+                <a:uFillTx/>
+                <a:latin typeface="+mj-lt"/>
+                <a:cs typeface="+mj-cs"/>
+              </a:rPr>
+              <a:t>R</a:t>
+            </a:r>
+            <a:r>
+              <a:rPr kumimoji="0" lang="zh-CN" altLang="en-US" sz="3600" b="1" i="0" u="none" strike="noStrike" cap="none" spc="0" normalizeH="0" baseline="0" dirty="0" smtClean="0">
+                <a:uLnTx/>
+                <a:uFillTx/>
+                <a:latin typeface="+mj-lt"/>
+                <a:cs typeface="+mj-cs"/>
+              </a:rPr>
+              <a:t>的下载和安装</a:t>
+            </a:r>
+            <a:endParaRPr kumimoji="0" lang="zh-CN" altLang="en-US" sz="3600" b="1" i="0" u="none" strike="noStrike" cap="none" spc="0" normalizeH="0" baseline="0" dirty="0" smtClean="0">
+              <a:uLnTx/>
+              <a:uFillTx/>
+              <a:latin typeface="+mj-lt"/>
+              <a:cs typeface="+mj-cs"/>
+            </a:endParaRPr>
+          </a:p>
+        </p:txBody>
+      </p:sp>
+    </p:spTree>
+  </p:cSld>
+  <p:clrMapOvr>
+    <a:masterClrMapping/>
+  </p:clrMapOvr>
+  <p:transition spd="slow">
+    <p:pull dir="ru"/>
+  </p:transition>
+</p:sld>
+</file>
+
+<file path=ppt/slides/slide9.xml><?xml version="1.0" encoding="utf-8"?>
+<p:sld xmlns:a="http://schemas.openxmlformats.org/drawingml/2006/main" xmlns:r="http://schemas.openxmlformats.org/officeDocument/2006/relationships" xmlns:p="http://schemas.openxmlformats.org/presentationml/2006/main">
+  <p:cSld>
+    <p:spTree>
+      <p:nvGrpSpPr>
+        <p:cNvPr id="1" name=""/>
+        <p:cNvGrpSpPr/>
+        <p:nvPr/>
+      </p:nvGrpSpPr>
+      <p:grpSpPr/>
+      <p:sp>
+        <p:nvSpPr>
+          <p:cNvPr id="16386" name="灯片编号占位符 3"/>
+          <p:cNvSpPr txBox="1">
+            <a:spLocks noGrp="1"/>
+          </p:cNvSpPr>
+          <p:nvPr>
+            <p:ph type="sldNum" sz="quarter" idx="12"/>
+          </p:nvPr>
+        </p:nvSpPr>
+        <p:spPr>
+          <a:xfrm>
+            <a:off x="8647113" y="6408738"/>
+            <a:ext cx="366712" cy="365125"/>
+          </a:xfrm>
+          <a:noFill/>
+          <a:ln>
+            <a:noFill/>
+          </a:ln>
+        </p:spPr>
+        <p:txBody>
+          <a:bodyPr anchor="b"/>
+          <a:p>
+            <a:pPr marL="0" indent="0" algn="r" eaLnBrk="1" hangingPunct="1">
+              <a:spcBef>
+                <a:spcPct val="0"/>
+              </a:spcBef>
+              <a:buClr>
+                <a:srgbClr val="000000"/>
+              </a:buClr>
+              <a:buNone/>
+            </a:pPr>
+            <a:fld id="{9A0DB2DC-4C9A-4742-B13C-FB6460FD3503}" type="slidenum">
+              <a:rPr lang="en-US" altLang="zh-CN" sz="1000" dirty="0">
+                <a:latin typeface="Arial" panose="020B0604020202020204" pitchFamily="34" charset="0"/>
+                <a:ea typeface="宋体" panose="02010600030101010101" pitchFamily="2" charset="-122"/>
+              </a:rPr>
+            </a:fld>
+            <a:endParaRPr lang="en-US" altLang="zh-CN" sz="1000" dirty="0">
+              <a:latin typeface="Arial" panose="020B0604020202020204" pitchFamily="34" charset="0"/>
+              <a:ea typeface="宋体" panose="02010600030101010101" pitchFamily="2" charset="-122"/>
+            </a:endParaRPr>
+          </a:p>
+        </p:txBody>
+      </p:sp>
+      <p:sp>
+        <p:nvSpPr>
+          <p:cNvPr id="205826" name="Rectangle 2"/>
+          <p:cNvSpPr>
+            <a:spLocks noGrp="1" noChangeArrowheads="1"/>
+          </p:cNvSpPr>
+          <p:nvPr>
+            <p:ph type="title"/>
+          </p:nvPr>
+        </p:nvSpPr>
+        <p:spPr>
+          <a:noFill/>
+          <a:ln>
+            <a:noFill/>
+          </a:ln>
+          <a:effectLst/>
+          <a:sp3d prstMaterial="plastic"/>
+        </p:spPr>
+        <p:txBody>
+          <a:bodyPr vert="horz" rtlCol="0" anchor="ctr">
+            <a:normAutofit/>
+            <a:scene3d>
+              <a:camera prst="orthographicFront"/>
+              <a:lightRig rig="soft" dir="t"/>
+            </a:scene3d>
+            <a:sp3d prstMaterial="softEdge">
+              <a:bevelT w="25400" h="25400"/>
+            </a:sp3d>
+          </a:bodyPr>
+          <a:lstStyle/>
+          <a:p>
+            <a:pPr marL="0" marR="0" lvl="0" algn="l" defTabSz="914400" rtl="0" eaLnBrk="1" fontAlgn="auto" latinLnBrk="0" hangingPunct="1">
+              <a:lnSpc>
+                <a:spcPct val="100000"/>
+              </a:lnSpc>
+              <a:spcAft>
+                <a:spcPts val="0"/>
+              </a:spcAft>
+              <a:buClrTx/>
+              <a:buSzTx/>
+              <a:buFontTx/>
+              <a:buNone/>
+              <a:defRPr/>
+            </a:pPr>
+            <a:r>
+              <a:rPr kumimoji="0" sz="3600" b="1" i="0" u="none" strike="noStrike" cap="none" spc="0" normalizeH="0" baseline="0" dirty="0" smtClean="0">
+                <a:uLnTx/>
+                <a:uFillTx/>
+                <a:latin typeface="+mj-lt"/>
+                <a:cs typeface="+mj-cs"/>
+              </a:rPr>
+              <a:t>R</a:t>
+            </a:r>
+            <a:r>
+              <a:rPr kumimoji="0" lang="zh-CN" altLang="en-US" sz="3600" b="1" i="0" u="none" strike="noStrike" cap="none" spc="0" normalizeH="0" baseline="0" dirty="0" smtClean="0">
+                <a:uLnTx/>
+                <a:uFillTx/>
+                <a:latin typeface="+mj-lt"/>
+                <a:cs typeface="+mj-cs"/>
+              </a:rPr>
+              <a:t>的下载和安装</a:t>
+            </a:r>
+            <a:endParaRPr kumimoji="0" lang="zh-CN" altLang="en-US" sz="3600" b="1" i="0" u="none" strike="noStrike" cap="none" spc="0" normalizeH="0" baseline="0" dirty="0" smtClean="0">
+              <a:uLnTx/>
+              <a:uFillTx/>
+              <a:latin typeface="+mj-lt"/>
+              <a:cs typeface="+mj-cs"/>
+            </a:endParaRPr>
+          </a:p>
+        </p:txBody>
+      </p:sp>
+      <p:pic>
+        <p:nvPicPr>
+          <p:cNvPr id="16388" name="Picture 4"/>
+          <p:cNvPicPr>
+            <a:picLocks noGrp="1" noChangeAspect="1"/>
+          </p:cNvPicPr>
+          <p:nvPr>
+            <p:ph idx="1"/>
+          </p:nvPr>
+        </p:nvPicPr>
+        <p:blipFill>
+          <a:blip r:embed="rId1"/>
+          <a:srcRect/>
+          <a:stretch>
+            <a:fillRect/>
+          </a:stretch>
+        </p:blipFill>
+        <p:spPr>
+          <a:xfrm>
+            <a:off x="468313" y="1268413"/>
+            <a:ext cx="8229600" cy="3683000"/>
+          </a:xfrm>
+          <a:ln w="12700"/>
+        </p:spPr>
+      </p:pic>
+    </p:spTree>
+  </p:cSld>
+  <p:clrMapOvr>
+    <a:masterClrMapping/>
+  </p:clrMapOvr>
+  <p:transition spd="slow">
+    <p:pull dir="ru"/>
+  </p:transition>
 </p:sld>
 </file>
 
